--- a/Blokové programování2.pptx
+++ b/Blokové programování2.pptx
@@ -5,24 +5,44 @@
     <p:sldMasterId id="2147483648" r:id="rId1"/>
   </p:sldMasterIdLst>
   <p:handoutMasterIdLst>
-    <p:handoutMasterId r:id="rId17"/>
+    <p:handoutMasterId r:id="rId37"/>
   </p:handoutMasterIdLst>
   <p:sldIdLst>
     <p:sldId id="256" r:id="rId2"/>
     <p:sldId id="268" r:id="rId3"/>
     <p:sldId id="262" r:id="rId4"/>
     <p:sldId id="263" r:id="rId5"/>
-    <p:sldId id="264" r:id="rId6"/>
-    <p:sldId id="259" r:id="rId7"/>
-    <p:sldId id="260" r:id="rId8"/>
-    <p:sldId id="261" r:id="rId9"/>
-    <p:sldId id="272" r:id="rId10"/>
-    <p:sldId id="265" r:id="rId11"/>
-    <p:sldId id="266" r:id="rId12"/>
-    <p:sldId id="267" r:id="rId13"/>
-    <p:sldId id="276" r:id="rId14"/>
-    <p:sldId id="274" r:id="rId15"/>
-    <p:sldId id="275" r:id="rId16"/>
+    <p:sldId id="291" r:id="rId6"/>
+    <p:sldId id="288" r:id="rId7"/>
+    <p:sldId id="292" r:id="rId8"/>
+    <p:sldId id="264" r:id="rId9"/>
+    <p:sldId id="259" r:id="rId10"/>
+    <p:sldId id="260" r:id="rId11"/>
+    <p:sldId id="261" r:id="rId12"/>
+    <p:sldId id="272" r:id="rId13"/>
+    <p:sldId id="293" r:id="rId14"/>
+    <p:sldId id="294" r:id="rId15"/>
+    <p:sldId id="265" r:id="rId16"/>
+    <p:sldId id="266" r:id="rId17"/>
+    <p:sldId id="267" r:id="rId18"/>
+    <p:sldId id="276" r:id="rId19"/>
+    <p:sldId id="274" r:id="rId20"/>
+    <p:sldId id="275" r:id="rId21"/>
+    <p:sldId id="277" r:id="rId22"/>
+    <p:sldId id="279" r:id="rId23"/>
+    <p:sldId id="295" r:id="rId24"/>
+    <p:sldId id="283" r:id="rId25"/>
+    <p:sldId id="284" r:id="rId26"/>
+    <p:sldId id="282" r:id="rId27"/>
+    <p:sldId id="285" r:id="rId28"/>
+    <p:sldId id="290" r:id="rId29"/>
+    <p:sldId id="278" r:id="rId30"/>
+    <p:sldId id="280" r:id="rId31"/>
+    <p:sldId id="281" r:id="rId32"/>
+    <p:sldId id="286" r:id="rId33"/>
+    <p:sldId id="287" r:id="rId34"/>
+    <p:sldId id="289" r:id="rId35"/>
+    <p:sldId id="296" r:id="rId36"/>
   </p:sldIdLst>
   <p:sldSz cx="12192000" cy="6858000"/>
   <p:notesSz cx="6858000" cy="9144000"/>
@@ -226,7 +246,7 @@
           <a:p>
             <a:fld id="{B3F8E4C1-2C4F-4D78-87F7-E64A39742BC3}" type="datetimeFigureOut">
               <a:rPr lang="cs-CZ" smtClean="0"/>
-              <a:t>07.12.2022</a:t>
+              <a:t>14.12.2022</a:t>
             </a:fld>
             <a:endParaRPr lang="cs-CZ"/>
           </a:p>
@@ -468,7 +488,7 @@
           <a:p>
             <a:fld id="{64A22B8D-9E6A-4F16-A83C-FEE128C973BC}" type="datetimeFigureOut">
               <a:rPr lang="cs-CZ" smtClean="0"/>
-              <a:t>07.12.2022</a:t>
+              <a:t>14.12.2022</a:t>
             </a:fld>
             <a:endParaRPr lang="cs-CZ"/>
           </a:p>
@@ -666,7 +686,7 @@
           <a:p>
             <a:fld id="{64A22B8D-9E6A-4F16-A83C-FEE128C973BC}" type="datetimeFigureOut">
               <a:rPr lang="cs-CZ" smtClean="0"/>
-              <a:t>07.12.2022</a:t>
+              <a:t>14.12.2022</a:t>
             </a:fld>
             <a:endParaRPr lang="cs-CZ"/>
           </a:p>
@@ -874,7 +894,7 @@
           <a:p>
             <a:fld id="{64A22B8D-9E6A-4F16-A83C-FEE128C973BC}" type="datetimeFigureOut">
               <a:rPr lang="cs-CZ" smtClean="0"/>
-              <a:t>07.12.2022</a:t>
+              <a:t>14.12.2022</a:t>
             </a:fld>
             <a:endParaRPr lang="cs-CZ"/>
           </a:p>
@@ -1072,7 +1092,7 @@
           <a:p>
             <a:fld id="{64A22B8D-9E6A-4F16-A83C-FEE128C973BC}" type="datetimeFigureOut">
               <a:rPr lang="cs-CZ" smtClean="0"/>
-              <a:t>07.12.2022</a:t>
+              <a:t>14.12.2022</a:t>
             </a:fld>
             <a:endParaRPr lang="cs-CZ"/>
           </a:p>
@@ -1347,7 +1367,7 @@
           <a:p>
             <a:fld id="{64A22B8D-9E6A-4F16-A83C-FEE128C973BC}" type="datetimeFigureOut">
               <a:rPr lang="cs-CZ" smtClean="0"/>
-              <a:t>07.12.2022</a:t>
+              <a:t>14.12.2022</a:t>
             </a:fld>
             <a:endParaRPr lang="cs-CZ"/>
           </a:p>
@@ -1612,7 +1632,7 @@
           <a:p>
             <a:fld id="{64A22B8D-9E6A-4F16-A83C-FEE128C973BC}" type="datetimeFigureOut">
               <a:rPr lang="cs-CZ" smtClean="0"/>
-              <a:t>07.12.2022</a:t>
+              <a:t>14.12.2022</a:t>
             </a:fld>
             <a:endParaRPr lang="cs-CZ"/>
           </a:p>
@@ -2024,7 +2044,7 @@
           <a:p>
             <a:fld id="{64A22B8D-9E6A-4F16-A83C-FEE128C973BC}" type="datetimeFigureOut">
               <a:rPr lang="cs-CZ" smtClean="0"/>
-              <a:t>07.12.2022</a:t>
+              <a:t>14.12.2022</a:t>
             </a:fld>
             <a:endParaRPr lang="cs-CZ"/>
           </a:p>
@@ -2165,7 +2185,7 @@
           <a:p>
             <a:fld id="{64A22B8D-9E6A-4F16-A83C-FEE128C973BC}" type="datetimeFigureOut">
               <a:rPr lang="cs-CZ" smtClean="0"/>
-              <a:t>07.12.2022</a:t>
+              <a:t>14.12.2022</a:t>
             </a:fld>
             <a:endParaRPr lang="cs-CZ"/>
           </a:p>
@@ -2278,7 +2298,7 @@
           <a:p>
             <a:fld id="{64A22B8D-9E6A-4F16-A83C-FEE128C973BC}" type="datetimeFigureOut">
               <a:rPr lang="cs-CZ" smtClean="0"/>
-              <a:t>07.12.2022</a:t>
+              <a:t>14.12.2022</a:t>
             </a:fld>
             <a:endParaRPr lang="cs-CZ"/>
           </a:p>
@@ -2589,7 +2609,7 @@
           <a:p>
             <a:fld id="{64A22B8D-9E6A-4F16-A83C-FEE128C973BC}" type="datetimeFigureOut">
               <a:rPr lang="cs-CZ" smtClean="0"/>
-              <a:t>07.12.2022</a:t>
+              <a:t>14.12.2022</a:t>
             </a:fld>
             <a:endParaRPr lang="cs-CZ"/>
           </a:p>
@@ -2877,7 +2897,7 @@
           <a:p>
             <a:fld id="{64A22B8D-9E6A-4F16-A83C-FEE128C973BC}" type="datetimeFigureOut">
               <a:rPr lang="cs-CZ" smtClean="0"/>
-              <a:t>07.12.2022</a:t>
+              <a:t>14.12.2022</a:t>
             </a:fld>
             <a:endParaRPr lang="cs-CZ"/>
           </a:p>
@@ -3118,7 +3138,7 @@
           <a:p>
             <a:fld id="{64A22B8D-9E6A-4F16-A83C-FEE128C973BC}" type="datetimeFigureOut">
               <a:rPr lang="cs-CZ" smtClean="0"/>
-              <a:t>07.12.2022</a:t>
+              <a:t>14.12.2022</a:t>
             </a:fld>
             <a:endParaRPr lang="cs-CZ"/>
           </a:p>
@@ -3658,6 +3678,542 @@
           <a:chExt cx="0" cy="0"/>
         </a:xfrm>
       </p:grpSpPr>
+      <p:pic>
+        <p:nvPicPr>
+          <p:cNvPr id="2" name="Obrázek 1">
+            <a:extLst>
+              <a:ext uri="{FF2B5EF4-FFF2-40B4-BE49-F238E27FC236}">
+                <a16:creationId xmlns:a16="http://schemas.microsoft.com/office/drawing/2014/main" id="{7F29F1F8-D5A2-C601-77E5-11697792583C}"/>
+              </a:ext>
+            </a:extLst>
+          </p:cNvPr>
+          <p:cNvPicPr>
+            <a:picLocks noChangeAspect="1"/>
+          </p:cNvPicPr>
+          <p:nvPr/>
+        </p:nvPicPr>
+        <p:blipFill>
+          <a:blip r:embed="rId2"/>
+          <a:stretch>
+            <a:fillRect/>
+          </a:stretch>
+        </p:blipFill>
+        <p:spPr>
+          <a:xfrm>
+            <a:off x="2323880" y="2462078"/>
+            <a:ext cx="7544239" cy="1933844"/>
+          </a:xfrm>
+          <a:prstGeom prst="rect">
+            <a:avLst/>
+          </a:prstGeom>
+        </p:spPr>
+      </p:pic>
+    </p:spTree>
+    <p:extLst>
+      <p:ext uri="{BB962C8B-B14F-4D97-AF65-F5344CB8AC3E}">
+        <p14:creationId xmlns:p14="http://schemas.microsoft.com/office/powerpoint/2010/main" val="3286217622"/>
+      </p:ext>
+    </p:extLst>
+  </p:cSld>
+  <p:clrMapOvr>
+    <a:masterClrMapping/>
+  </p:clrMapOvr>
+  <mc:AlternateContent xmlns:mc="http://schemas.openxmlformats.org/markup-compatibility/2006" xmlns:p14="http://schemas.microsoft.com/office/powerpoint/2010/main">
+    <mc:Choice Requires="p14">
+      <p:transition spd="med" p14:dur="700">
+        <p:fade/>
+      </p:transition>
+    </mc:Choice>
+    <mc:Fallback xmlns="">
+      <p:transition spd="med">
+        <p:fade/>
+      </p:transition>
+    </mc:Fallback>
+  </mc:AlternateContent>
+</p:sld>
+</file>
+
+<file path=ppt/slides/slide11.xml><?xml version="1.0" encoding="utf-8"?>
+<p:sld xmlns:a="http://schemas.openxmlformats.org/drawingml/2006/main" xmlns:r="http://schemas.openxmlformats.org/officeDocument/2006/relationships" xmlns:p="http://schemas.openxmlformats.org/presentationml/2006/main">
+  <p:cSld>
+    <p:spTree>
+      <p:nvGrpSpPr>
+        <p:cNvPr id="1" name=""/>
+        <p:cNvGrpSpPr/>
+        <p:nvPr/>
+      </p:nvGrpSpPr>
+      <p:grpSpPr>
+        <a:xfrm>
+          <a:off x="0" y="0"/>
+          <a:ext cx="0" cy="0"/>
+          <a:chOff x="0" y="0"/>
+          <a:chExt cx="0" cy="0"/>
+        </a:xfrm>
+      </p:grpSpPr>
+      <p:pic>
+        <p:nvPicPr>
+          <p:cNvPr id="3" name="Obrázek 2">
+            <a:extLst>
+              <a:ext uri="{FF2B5EF4-FFF2-40B4-BE49-F238E27FC236}">
+                <a16:creationId xmlns:a16="http://schemas.microsoft.com/office/drawing/2014/main" id="{EB8571B5-E579-BFD4-4D44-9348BC0A89E9}"/>
+              </a:ext>
+            </a:extLst>
+          </p:cNvPr>
+          <p:cNvPicPr>
+            <a:picLocks noChangeAspect="1"/>
+          </p:cNvPicPr>
+          <p:nvPr/>
+        </p:nvPicPr>
+        <p:blipFill>
+          <a:blip r:embed="rId2"/>
+          <a:stretch>
+            <a:fillRect/>
+          </a:stretch>
+        </p:blipFill>
+        <p:spPr>
+          <a:xfrm>
+            <a:off x="2137810" y="1437997"/>
+            <a:ext cx="7916380" cy="3982006"/>
+          </a:xfrm>
+          <a:prstGeom prst="rect">
+            <a:avLst/>
+          </a:prstGeom>
+        </p:spPr>
+      </p:pic>
+    </p:spTree>
+    <p:extLst>
+      <p:ext uri="{BB962C8B-B14F-4D97-AF65-F5344CB8AC3E}">
+        <p14:creationId xmlns:p14="http://schemas.microsoft.com/office/powerpoint/2010/main" val="1440098375"/>
+      </p:ext>
+    </p:extLst>
+  </p:cSld>
+  <p:clrMapOvr>
+    <a:masterClrMapping/>
+  </p:clrMapOvr>
+  <mc:AlternateContent xmlns:mc="http://schemas.openxmlformats.org/markup-compatibility/2006" xmlns:p14="http://schemas.microsoft.com/office/powerpoint/2010/main">
+    <mc:Choice Requires="p14">
+      <p:transition spd="med" p14:dur="700">
+        <p:fade/>
+      </p:transition>
+    </mc:Choice>
+    <mc:Fallback xmlns="">
+      <p:transition spd="med">
+        <p:fade/>
+      </p:transition>
+    </mc:Fallback>
+  </mc:AlternateContent>
+</p:sld>
+</file>
+
+<file path=ppt/slides/slide12.xml><?xml version="1.0" encoding="utf-8"?>
+<p:sld xmlns:a="http://schemas.openxmlformats.org/drawingml/2006/main" xmlns:r="http://schemas.openxmlformats.org/officeDocument/2006/relationships" xmlns:p="http://schemas.openxmlformats.org/presentationml/2006/main">
+  <p:cSld>
+    <p:spTree>
+      <p:nvGrpSpPr>
+        <p:cNvPr id="1" name=""/>
+        <p:cNvGrpSpPr/>
+        <p:nvPr/>
+      </p:nvGrpSpPr>
+      <p:grpSpPr>
+        <a:xfrm>
+          <a:off x="0" y="0"/>
+          <a:ext cx="0" cy="0"/>
+          <a:chOff x="0" y="0"/>
+          <a:chExt cx="0" cy="0"/>
+        </a:xfrm>
+      </p:grpSpPr>
+      <p:pic>
+        <p:nvPicPr>
+          <p:cNvPr id="2" name="Obrázek 1">
+            <a:extLst>
+              <a:ext uri="{FF2B5EF4-FFF2-40B4-BE49-F238E27FC236}">
+                <a16:creationId xmlns:a16="http://schemas.microsoft.com/office/drawing/2014/main" id="{0AF82E9C-0D5F-216D-0A7B-D40E53EF0FBA}"/>
+              </a:ext>
+            </a:extLst>
+          </p:cNvPr>
+          <p:cNvPicPr>
+            <a:picLocks noChangeAspect="1"/>
+          </p:cNvPicPr>
+          <p:nvPr/>
+        </p:nvPicPr>
+        <p:blipFill>
+          <a:blip r:embed="rId2"/>
+          <a:stretch>
+            <a:fillRect/>
+          </a:stretch>
+        </p:blipFill>
+        <p:spPr>
+          <a:xfrm>
+            <a:off x="3717185" y="821503"/>
+            <a:ext cx="4757629" cy="4922395"/>
+          </a:xfrm>
+          <a:prstGeom prst="rect">
+            <a:avLst/>
+          </a:prstGeom>
+        </p:spPr>
+      </p:pic>
+    </p:spTree>
+    <p:extLst>
+      <p:ext uri="{BB962C8B-B14F-4D97-AF65-F5344CB8AC3E}">
+        <p14:creationId xmlns:p14="http://schemas.microsoft.com/office/powerpoint/2010/main" val="1551528651"/>
+      </p:ext>
+    </p:extLst>
+  </p:cSld>
+  <p:clrMapOvr>
+    <a:masterClrMapping/>
+  </p:clrMapOvr>
+</p:sld>
+</file>
+
+<file path=ppt/slides/slide13.xml><?xml version="1.0" encoding="utf-8"?>
+<p:sld xmlns:a="http://schemas.openxmlformats.org/drawingml/2006/main" xmlns:r="http://schemas.openxmlformats.org/officeDocument/2006/relationships" xmlns:p="http://schemas.openxmlformats.org/presentationml/2006/main">
+  <p:cSld>
+    <p:spTree>
+      <p:nvGrpSpPr>
+        <p:cNvPr id="1" name=""/>
+        <p:cNvGrpSpPr/>
+        <p:nvPr/>
+      </p:nvGrpSpPr>
+      <p:grpSpPr>
+        <a:xfrm>
+          <a:off x="0" y="0"/>
+          <a:ext cx="0" cy="0"/>
+          <a:chOff x="0" y="0"/>
+          <a:chExt cx="0" cy="0"/>
+        </a:xfrm>
+      </p:grpSpPr>
+      <p:sp>
+        <p:nvSpPr>
+          <p:cNvPr id="2" name="Nadpis 1">
+            <a:extLst>
+              <a:ext uri="{FF2B5EF4-FFF2-40B4-BE49-F238E27FC236}">
+                <a16:creationId xmlns:a16="http://schemas.microsoft.com/office/drawing/2014/main" id="{4F746FC5-9B85-0EBA-74B5-91CF9045F997}"/>
+              </a:ext>
+            </a:extLst>
+          </p:cNvPr>
+          <p:cNvSpPr>
+            <a:spLocks noGrp="1"/>
+          </p:cNvSpPr>
+          <p:nvPr>
+            <p:ph type="title"/>
+          </p:nvPr>
+        </p:nvSpPr>
+        <p:spPr/>
+        <p:txBody>
+          <a:bodyPr/>
+          <a:lstStyle/>
+          <a:p>
+            <a:r>
+              <a:rPr lang="cs-CZ" b="1" dirty="0">
+                <a:solidFill>
+                  <a:srgbClr val="5CB1D6"/>
+                </a:solidFill>
+              </a:rPr>
+              <a:t>Vnímání</a:t>
+            </a:r>
+          </a:p>
+        </p:txBody>
+      </p:sp>
+      <p:pic>
+        <p:nvPicPr>
+          <p:cNvPr id="5" name="Zástupný obsah 4">
+            <a:extLst>
+              <a:ext uri="{FF2B5EF4-FFF2-40B4-BE49-F238E27FC236}">
+                <a16:creationId xmlns:a16="http://schemas.microsoft.com/office/drawing/2014/main" id="{58FAF78F-1C02-AE33-AE22-1A7F25FEB47A}"/>
+              </a:ext>
+            </a:extLst>
+          </p:cNvPr>
+          <p:cNvPicPr>
+            <a:picLocks noGrp="1" noChangeAspect="1"/>
+          </p:cNvPicPr>
+          <p:nvPr>
+            <p:ph idx="1"/>
+          </p:nvPr>
+        </p:nvPicPr>
+        <p:blipFill>
+          <a:blip r:embed="rId2"/>
+          <a:stretch>
+            <a:fillRect/>
+          </a:stretch>
+        </p:blipFill>
+        <p:spPr>
+          <a:xfrm>
+            <a:off x="838200" y="1672886"/>
+            <a:ext cx="5887272" cy="2857899"/>
+          </a:xfrm>
+        </p:spPr>
+      </p:pic>
+      <p:pic>
+        <p:nvPicPr>
+          <p:cNvPr id="7" name="Obrázek 6">
+            <a:extLst>
+              <a:ext uri="{FF2B5EF4-FFF2-40B4-BE49-F238E27FC236}">
+                <a16:creationId xmlns:a16="http://schemas.microsoft.com/office/drawing/2014/main" id="{FFAFB752-0D51-7209-9F29-163F5B653F55}"/>
+              </a:ext>
+            </a:extLst>
+          </p:cNvPr>
+          <p:cNvPicPr>
+            <a:picLocks noChangeAspect="1"/>
+          </p:cNvPicPr>
+          <p:nvPr/>
+        </p:nvPicPr>
+        <p:blipFill>
+          <a:blip r:embed="rId3"/>
+          <a:stretch>
+            <a:fillRect/>
+          </a:stretch>
+        </p:blipFill>
+        <p:spPr>
+          <a:xfrm>
+            <a:off x="7222119" y="2600209"/>
+            <a:ext cx="4315427" cy="1657581"/>
+          </a:xfrm>
+          <a:prstGeom prst="rect">
+            <a:avLst/>
+          </a:prstGeom>
+        </p:spPr>
+      </p:pic>
+      <p:pic>
+        <p:nvPicPr>
+          <p:cNvPr id="9" name="Obrázek 8">
+            <a:extLst>
+              <a:ext uri="{FF2B5EF4-FFF2-40B4-BE49-F238E27FC236}">
+                <a16:creationId xmlns:a16="http://schemas.microsoft.com/office/drawing/2014/main" id="{4BA26FD9-8727-27D5-935B-226C228E0BC2}"/>
+              </a:ext>
+            </a:extLst>
+          </p:cNvPr>
+          <p:cNvPicPr>
+            <a:picLocks noChangeAspect="1"/>
+          </p:cNvPicPr>
+          <p:nvPr/>
+        </p:nvPicPr>
+        <p:blipFill>
+          <a:blip r:embed="rId4"/>
+          <a:stretch>
+            <a:fillRect/>
+          </a:stretch>
+        </p:blipFill>
+        <p:spPr>
+          <a:xfrm>
+            <a:off x="838200" y="4924957"/>
+            <a:ext cx="7954485" cy="1381318"/>
+          </a:xfrm>
+          <a:prstGeom prst="rect">
+            <a:avLst/>
+          </a:prstGeom>
+        </p:spPr>
+      </p:pic>
+    </p:spTree>
+    <p:extLst>
+      <p:ext uri="{BB962C8B-B14F-4D97-AF65-F5344CB8AC3E}">
+        <p14:creationId xmlns:p14="http://schemas.microsoft.com/office/powerpoint/2010/main" val="1826420469"/>
+      </p:ext>
+    </p:extLst>
+  </p:cSld>
+  <p:clrMapOvr>
+    <a:masterClrMapping/>
+  </p:clrMapOvr>
+</p:sld>
+</file>
+
+<file path=ppt/slides/slide14.xml><?xml version="1.0" encoding="utf-8"?>
+<p:sld xmlns:a="http://schemas.openxmlformats.org/drawingml/2006/main" xmlns:r="http://schemas.openxmlformats.org/officeDocument/2006/relationships" xmlns:p="http://schemas.openxmlformats.org/presentationml/2006/main">
+  <p:cSld>
+    <p:spTree>
+      <p:nvGrpSpPr>
+        <p:cNvPr id="1" name=""/>
+        <p:cNvGrpSpPr/>
+        <p:nvPr/>
+      </p:nvGrpSpPr>
+      <p:grpSpPr>
+        <a:xfrm>
+          <a:off x="0" y="0"/>
+          <a:ext cx="0" cy="0"/>
+          <a:chOff x="0" y="0"/>
+          <a:chExt cx="0" cy="0"/>
+        </a:xfrm>
+      </p:grpSpPr>
+      <p:sp>
+        <p:nvSpPr>
+          <p:cNvPr id="2" name="Nadpis 1">
+            <a:extLst>
+              <a:ext uri="{FF2B5EF4-FFF2-40B4-BE49-F238E27FC236}">
+                <a16:creationId xmlns:a16="http://schemas.microsoft.com/office/drawing/2014/main" id="{4834EC5A-0D60-1A98-C686-AEBABDD88739}"/>
+              </a:ext>
+            </a:extLst>
+          </p:cNvPr>
+          <p:cNvSpPr>
+            <a:spLocks noGrp="1"/>
+          </p:cNvSpPr>
+          <p:nvPr>
+            <p:ph type="title"/>
+          </p:nvPr>
+        </p:nvSpPr>
+        <p:spPr/>
+        <p:txBody>
+          <a:bodyPr/>
+          <a:lstStyle/>
+          <a:p>
+            <a:r>
+              <a:rPr lang="cs-CZ" b="1" dirty="0">
+                <a:solidFill>
+                  <a:srgbClr val="59C059"/>
+                </a:solidFill>
+              </a:rPr>
+              <a:t>Operátory</a:t>
+            </a:r>
+          </a:p>
+        </p:txBody>
+      </p:sp>
+      <p:pic>
+        <p:nvPicPr>
+          <p:cNvPr id="17" name="Zástupný obsah 16">
+            <a:extLst>
+              <a:ext uri="{FF2B5EF4-FFF2-40B4-BE49-F238E27FC236}">
+                <a16:creationId xmlns:a16="http://schemas.microsoft.com/office/drawing/2014/main" id="{7FE1FB1C-A7CA-9A94-540A-7D54ED0B6349}"/>
+              </a:ext>
+            </a:extLst>
+          </p:cNvPr>
+          <p:cNvPicPr>
+            <a:picLocks noGrp="1" noChangeAspect="1"/>
+          </p:cNvPicPr>
+          <p:nvPr>
+            <p:ph idx="1"/>
+          </p:nvPr>
+        </p:nvPicPr>
+        <p:blipFill>
+          <a:blip r:embed="rId2"/>
+          <a:stretch>
+            <a:fillRect/>
+          </a:stretch>
+        </p:blipFill>
+        <p:spPr>
+          <a:xfrm>
+            <a:off x="532074" y="1864205"/>
+            <a:ext cx="3699857" cy="1414376"/>
+          </a:xfrm>
+        </p:spPr>
+      </p:pic>
+      <p:pic>
+        <p:nvPicPr>
+          <p:cNvPr id="19" name="Obrázek 18">
+            <a:extLst>
+              <a:ext uri="{FF2B5EF4-FFF2-40B4-BE49-F238E27FC236}">
+                <a16:creationId xmlns:a16="http://schemas.microsoft.com/office/drawing/2014/main" id="{E61D707C-91D5-7D84-8FB3-E9858DCF3C30}"/>
+              </a:ext>
+            </a:extLst>
+          </p:cNvPr>
+          <p:cNvPicPr>
+            <a:picLocks noChangeAspect="1"/>
+          </p:cNvPicPr>
+          <p:nvPr/>
+        </p:nvPicPr>
+        <p:blipFill>
+          <a:blip r:embed="rId3"/>
+          <a:stretch>
+            <a:fillRect/>
+          </a:stretch>
+        </p:blipFill>
+        <p:spPr>
+          <a:xfrm>
+            <a:off x="565752" y="3993909"/>
+            <a:ext cx="3666179" cy="1432101"/>
+          </a:xfrm>
+          <a:prstGeom prst="rect">
+            <a:avLst/>
+          </a:prstGeom>
+        </p:spPr>
+      </p:pic>
+      <p:pic>
+        <p:nvPicPr>
+          <p:cNvPr id="21" name="Obrázek 20">
+            <a:extLst>
+              <a:ext uri="{FF2B5EF4-FFF2-40B4-BE49-F238E27FC236}">
+                <a16:creationId xmlns:a16="http://schemas.microsoft.com/office/drawing/2014/main" id="{F628D5E5-4023-0E7D-C4E4-629E54580918}"/>
+              </a:ext>
+            </a:extLst>
+          </p:cNvPr>
+          <p:cNvPicPr>
+            <a:picLocks noChangeAspect="1"/>
+          </p:cNvPicPr>
+          <p:nvPr/>
+        </p:nvPicPr>
+        <p:blipFill>
+          <a:blip r:embed="rId4"/>
+          <a:stretch>
+            <a:fillRect/>
+          </a:stretch>
+        </p:blipFill>
+        <p:spPr>
+          <a:xfrm>
+            <a:off x="6320668" y="1785775"/>
+            <a:ext cx="4625435" cy="1571236"/>
+          </a:xfrm>
+          <a:prstGeom prst="rect">
+            <a:avLst/>
+          </a:prstGeom>
+        </p:spPr>
+      </p:pic>
+      <p:pic>
+        <p:nvPicPr>
+          <p:cNvPr id="25" name="Obrázek 24">
+            <a:extLst>
+              <a:ext uri="{FF2B5EF4-FFF2-40B4-BE49-F238E27FC236}">
+                <a16:creationId xmlns:a16="http://schemas.microsoft.com/office/drawing/2014/main" id="{1E24A272-061B-4D3E-57CF-44E3895EAC87}"/>
+              </a:ext>
+            </a:extLst>
+          </p:cNvPr>
+          <p:cNvPicPr>
+            <a:picLocks noChangeAspect="1"/>
+          </p:cNvPicPr>
+          <p:nvPr/>
+        </p:nvPicPr>
+        <p:blipFill>
+          <a:blip r:embed="rId5"/>
+          <a:stretch>
+            <a:fillRect/>
+          </a:stretch>
+        </p:blipFill>
+        <p:spPr>
+          <a:xfrm>
+            <a:off x="4812281" y="3993909"/>
+            <a:ext cx="6407116" cy="1379634"/>
+          </a:xfrm>
+          <a:prstGeom prst="rect">
+            <a:avLst/>
+          </a:prstGeom>
+        </p:spPr>
+      </p:pic>
+    </p:spTree>
+    <p:extLst>
+      <p:ext uri="{BB962C8B-B14F-4D97-AF65-F5344CB8AC3E}">
+        <p14:creationId xmlns:p14="http://schemas.microsoft.com/office/powerpoint/2010/main" val="3764931889"/>
+      </p:ext>
+    </p:extLst>
+  </p:cSld>
+  <p:clrMapOvr>
+    <a:masterClrMapping/>
+  </p:clrMapOvr>
+</p:sld>
+</file>
+
+<file path=ppt/slides/slide15.xml><?xml version="1.0" encoding="utf-8"?>
+<p:sld xmlns:a="http://schemas.openxmlformats.org/drawingml/2006/main" xmlns:r="http://schemas.openxmlformats.org/officeDocument/2006/relationships" xmlns:p="http://schemas.openxmlformats.org/presentationml/2006/main">
+  <p:cSld>
+    <p:spTree>
+      <p:nvGrpSpPr>
+        <p:cNvPr id="1" name=""/>
+        <p:cNvGrpSpPr/>
+        <p:nvPr/>
+      </p:nvGrpSpPr>
+      <p:grpSpPr>
+        <a:xfrm>
+          <a:off x="0" y="0"/>
+          <a:ext cx="0" cy="0"/>
+          <a:chOff x="0" y="0"/>
+          <a:chExt cx="0" cy="0"/>
+        </a:xfrm>
+      </p:grpSpPr>
       <p:sp>
         <p:nvSpPr>
           <p:cNvPr id="2" name="Nadpis 1">
@@ -3830,7 +4386,7 @@
 </p:sld>
 </file>
 
-<file path=ppt/slides/slide11.xml><?xml version="1.0" encoding="utf-8"?>
+<file path=ppt/slides/slide16.xml><?xml version="1.0" encoding="utf-8"?>
 <p:sld xmlns:a="http://schemas.openxmlformats.org/drawingml/2006/main" xmlns:r="http://schemas.openxmlformats.org/officeDocument/2006/relationships" xmlns:p="http://schemas.openxmlformats.org/presentationml/2006/main">
   <p:cSld>
     <p:spTree>
@@ -4077,7 +4633,7 @@
 </p:sld>
 </file>
 
-<file path=ppt/slides/slide12.xml><?xml version="1.0" encoding="utf-8"?>
+<file path=ppt/slides/slide17.xml><?xml version="1.0" encoding="utf-8"?>
 <p:sld xmlns:a="http://schemas.openxmlformats.org/drawingml/2006/main" xmlns:r="http://schemas.openxmlformats.org/officeDocument/2006/relationships" xmlns:p="http://schemas.openxmlformats.org/presentationml/2006/main">
   <p:cSld>
     <p:spTree>
@@ -4333,7 +4889,7 @@
 </p:sld>
 </file>
 
-<file path=ppt/slides/slide13.xml><?xml version="1.0" encoding="utf-8"?>
+<file path=ppt/slides/slide18.xml><?xml version="1.0" encoding="utf-8"?>
 <p:sld xmlns:a="http://schemas.openxmlformats.org/drawingml/2006/main" xmlns:r="http://schemas.openxmlformats.org/officeDocument/2006/relationships" xmlns:p="http://schemas.openxmlformats.org/presentationml/2006/main">
   <p:cSld>
     <p:spTree>
@@ -4393,7 +4949,7 @@
 </p:sld>
 </file>
 
-<file path=ppt/slides/slide14.xml><?xml version="1.0" encoding="utf-8"?>
+<file path=ppt/slides/slide19.xml><?xml version="1.0" encoding="utf-8"?>
 <p:sld xmlns:a="http://schemas.openxmlformats.org/drawingml/2006/main" xmlns:r="http://schemas.openxmlformats.org/officeDocument/2006/relationships" xmlns:p="http://schemas.openxmlformats.org/presentationml/2006/main">
   <p:cSld>
     <p:spTree>
@@ -4573,94 +5129,6 @@
     <p:extLst>
       <p:ext uri="{BB962C8B-B14F-4D97-AF65-F5344CB8AC3E}">
         <p14:creationId xmlns:p14="http://schemas.microsoft.com/office/powerpoint/2010/main" val="2212725438"/>
-      </p:ext>
-    </p:extLst>
-  </p:cSld>
-  <p:clrMapOvr>
-    <a:masterClrMapping/>
-  </p:clrMapOvr>
-</p:sld>
-</file>
-
-<file path=ppt/slides/slide15.xml><?xml version="1.0" encoding="utf-8"?>
-<p:sld xmlns:a="http://schemas.openxmlformats.org/drawingml/2006/main" xmlns:r="http://schemas.openxmlformats.org/officeDocument/2006/relationships" xmlns:p="http://schemas.openxmlformats.org/presentationml/2006/main">
-  <p:cSld>
-    <p:spTree>
-      <p:nvGrpSpPr>
-        <p:cNvPr id="1" name=""/>
-        <p:cNvGrpSpPr/>
-        <p:nvPr/>
-      </p:nvGrpSpPr>
-      <p:grpSpPr>
-        <a:xfrm>
-          <a:off x="0" y="0"/>
-          <a:ext cx="0" cy="0"/>
-          <a:chOff x="0" y="0"/>
-          <a:chExt cx="0" cy="0"/>
-        </a:xfrm>
-      </p:grpSpPr>
-      <p:sp>
-        <p:nvSpPr>
-          <p:cNvPr id="2" name="Nadpis 1">
-            <a:extLst>
-              <a:ext uri="{FF2B5EF4-FFF2-40B4-BE49-F238E27FC236}">
-                <a16:creationId xmlns:a16="http://schemas.microsoft.com/office/drawing/2014/main" id="{6B1FCFB7-E461-43BD-67FA-2334474EBBE0}"/>
-              </a:ext>
-            </a:extLst>
-          </p:cNvPr>
-          <p:cNvSpPr>
-            <a:spLocks noGrp="1"/>
-          </p:cNvSpPr>
-          <p:nvPr>
-            <p:ph type="title"/>
-          </p:nvPr>
-        </p:nvSpPr>
-        <p:spPr/>
-        <p:txBody>
-          <a:bodyPr/>
-          <a:lstStyle/>
-          <a:p>
-            <a:r>
-              <a:rPr lang="cs-CZ" dirty="0"/>
-              <a:t>Řešení druhého cvičení</a:t>
-            </a:r>
-          </a:p>
-        </p:txBody>
-      </p:sp>
-      <p:pic>
-        <p:nvPicPr>
-          <p:cNvPr id="7" name="Obrázek 6">
-            <a:extLst>
-              <a:ext uri="{FF2B5EF4-FFF2-40B4-BE49-F238E27FC236}">
-                <a16:creationId xmlns:a16="http://schemas.microsoft.com/office/drawing/2014/main" id="{3DD1688F-1EAF-C5DD-63E4-0436DC443094}"/>
-              </a:ext>
-            </a:extLst>
-          </p:cNvPr>
-          <p:cNvPicPr>
-            <a:picLocks noChangeAspect="1"/>
-          </p:cNvPicPr>
-          <p:nvPr/>
-        </p:nvPicPr>
-        <p:blipFill>
-          <a:blip r:embed="rId2"/>
-          <a:stretch>
-            <a:fillRect/>
-          </a:stretch>
-        </p:blipFill>
-        <p:spPr>
-          <a:xfrm>
-            <a:off x="2061599" y="1911823"/>
-            <a:ext cx="8068801" cy="3848637"/>
-          </a:xfrm>
-          <a:prstGeom prst="rect">
-            <a:avLst/>
-          </a:prstGeom>
-        </p:spPr>
-      </p:pic>
-    </p:spTree>
-    <p:extLst>
-      <p:ext uri="{BB962C8B-B14F-4D97-AF65-F5344CB8AC3E}">
-        <p14:creationId xmlns:p14="http://schemas.microsoft.com/office/powerpoint/2010/main" val="674468793"/>
       </p:ext>
     </p:extLst>
   </p:cSld>
@@ -4818,6 +5286,1185 @@
       </p:transition>
     </mc:Fallback>
   </mc:AlternateContent>
+</p:sld>
+</file>
+
+<file path=ppt/slides/slide20.xml><?xml version="1.0" encoding="utf-8"?>
+<p:sld xmlns:a="http://schemas.openxmlformats.org/drawingml/2006/main" xmlns:r="http://schemas.openxmlformats.org/officeDocument/2006/relationships" xmlns:p="http://schemas.openxmlformats.org/presentationml/2006/main">
+  <p:cSld>
+    <p:spTree>
+      <p:nvGrpSpPr>
+        <p:cNvPr id="1" name=""/>
+        <p:cNvGrpSpPr/>
+        <p:nvPr/>
+      </p:nvGrpSpPr>
+      <p:grpSpPr>
+        <a:xfrm>
+          <a:off x="0" y="0"/>
+          <a:ext cx="0" cy="0"/>
+          <a:chOff x="0" y="0"/>
+          <a:chExt cx="0" cy="0"/>
+        </a:xfrm>
+      </p:grpSpPr>
+      <p:sp>
+        <p:nvSpPr>
+          <p:cNvPr id="2" name="Nadpis 1">
+            <a:extLst>
+              <a:ext uri="{FF2B5EF4-FFF2-40B4-BE49-F238E27FC236}">
+                <a16:creationId xmlns:a16="http://schemas.microsoft.com/office/drawing/2014/main" id="{6B1FCFB7-E461-43BD-67FA-2334474EBBE0}"/>
+              </a:ext>
+            </a:extLst>
+          </p:cNvPr>
+          <p:cNvSpPr>
+            <a:spLocks noGrp="1"/>
+          </p:cNvSpPr>
+          <p:nvPr>
+            <p:ph type="title"/>
+          </p:nvPr>
+        </p:nvSpPr>
+        <p:spPr/>
+        <p:txBody>
+          <a:bodyPr/>
+          <a:lstStyle/>
+          <a:p>
+            <a:r>
+              <a:rPr lang="cs-CZ" dirty="0"/>
+              <a:t>Řešení druhého cvičení</a:t>
+            </a:r>
+          </a:p>
+        </p:txBody>
+      </p:sp>
+      <p:pic>
+        <p:nvPicPr>
+          <p:cNvPr id="7" name="Obrázek 6">
+            <a:extLst>
+              <a:ext uri="{FF2B5EF4-FFF2-40B4-BE49-F238E27FC236}">
+                <a16:creationId xmlns:a16="http://schemas.microsoft.com/office/drawing/2014/main" id="{3DD1688F-1EAF-C5DD-63E4-0436DC443094}"/>
+              </a:ext>
+            </a:extLst>
+          </p:cNvPr>
+          <p:cNvPicPr>
+            <a:picLocks noChangeAspect="1"/>
+          </p:cNvPicPr>
+          <p:nvPr/>
+        </p:nvPicPr>
+        <p:blipFill>
+          <a:blip r:embed="rId2"/>
+          <a:stretch>
+            <a:fillRect/>
+          </a:stretch>
+        </p:blipFill>
+        <p:spPr>
+          <a:xfrm>
+            <a:off x="2061599" y="1911823"/>
+            <a:ext cx="8068801" cy="3848637"/>
+          </a:xfrm>
+          <a:prstGeom prst="rect">
+            <a:avLst/>
+          </a:prstGeom>
+        </p:spPr>
+      </p:pic>
+    </p:spTree>
+    <p:extLst>
+      <p:ext uri="{BB962C8B-B14F-4D97-AF65-F5344CB8AC3E}">
+        <p14:creationId xmlns:p14="http://schemas.microsoft.com/office/powerpoint/2010/main" val="674468793"/>
+      </p:ext>
+    </p:extLst>
+  </p:cSld>
+  <p:clrMapOvr>
+    <a:masterClrMapping/>
+  </p:clrMapOvr>
+</p:sld>
+</file>
+
+<file path=ppt/slides/slide21.xml><?xml version="1.0" encoding="utf-8"?>
+<p:sld xmlns:a="http://schemas.openxmlformats.org/drawingml/2006/main" xmlns:r="http://schemas.openxmlformats.org/officeDocument/2006/relationships" xmlns:p="http://schemas.openxmlformats.org/presentationml/2006/main">
+  <p:cSld>
+    <p:spTree>
+      <p:nvGrpSpPr>
+        <p:cNvPr id="1" name=""/>
+        <p:cNvGrpSpPr/>
+        <p:nvPr/>
+      </p:nvGrpSpPr>
+      <p:grpSpPr>
+        <a:xfrm>
+          <a:off x="0" y="0"/>
+          <a:ext cx="0" cy="0"/>
+          <a:chOff x="0" y="0"/>
+          <a:chExt cx="0" cy="0"/>
+        </a:xfrm>
+      </p:grpSpPr>
+      <p:sp>
+        <p:nvSpPr>
+          <p:cNvPr id="2" name="Nadpis 1">
+            <a:extLst>
+              <a:ext uri="{FF2B5EF4-FFF2-40B4-BE49-F238E27FC236}">
+                <a16:creationId xmlns:a16="http://schemas.microsoft.com/office/drawing/2014/main" id="{7E2A4AAA-7DE6-BDF5-A8E2-1F2D0C546DB6}"/>
+              </a:ext>
+            </a:extLst>
+          </p:cNvPr>
+          <p:cNvSpPr>
+            <a:spLocks noGrp="1"/>
+          </p:cNvSpPr>
+          <p:nvPr>
+            <p:ph type="title"/>
+          </p:nvPr>
+        </p:nvSpPr>
+        <p:spPr/>
+        <p:txBody>
+          <a:bodyPr>
+            <a:normAutofit/>
+          </a:bodyPr>
+          <a:lstStyle/>
+          <a:p>
+            <a:r>
+              <a:rPr lang="cs-CZ" dirty="0"/>
+              <a:t>Obsah čtverce</a:t>
+            </a:r>
+          </a:p>
+        </p:txBody>
+      </p:sp>
+      <p:pic>
+        <p:nvPicPr>
+          <p:cNvPr id="8" name="Obrázek 7">
+            <a:extLst>
+              <a:ext uri="{FF2B5EF4-FFF2-40B4-BE49-F238E27FC236}">
+                <a16:creationId xmlns:a16="http://schemas.microsoft.com/office/drawing/2014/main" id="{E0FE2E4C-CF08-7AB3-E938-21F2AB399623}"/>
+              </a:ext>
+            </a:extLst>
+          </p:cNvPr>
+          <p:cNvPicPr>
+            <a:picLocks noChangeAspect="1"/>
+          </p:cNvPicPr>
+          <p:nvPr/>
+        </p:nvPicPr>
+        <p:blipFill>
+          <a:blip r:embed="rId2"/>
+          <a:stretch>
+            <a:fillRect/>
+          </a:stretch>
+        </p:blipFill>
+        <p:spPr>
+          <a:xfrm>
+            <a:off x="7551983" y="1936723"/>
+            <a:ext cx="4308982" cy="3143196"/>
+          </a:xfrm>
+          <a:prstGeom prst="rect">
+            <a:avLst/>
+          </a:prstGeom>
+        </p:spPr>
+      </p:pic>
+      <p:pic>
+        <p:nvPicPr>
+          <p:cNvPr id="10" name="Obrázek 9">
+            <a:extLst>
+              <a:ext uri="{FF2B5EF4-FFF2-40B4-BE49-F238E27FC236}">
+                <a16:creationId xmlns:a16="http://schemas.microsoft.com/office/drawing/2014/main" id="{BAE48096-AD58-F56A-C190-08C4FAB43165}"/>
+              </a:ext>
+            </a:extLst>
+          </p:cNvPr>
+          <p:cNvPicPr>
+            <a:picLocks noChangeAspect="1"/>
+          </p:cNvPicPr>
+          <p:nvPr/>
+        </p:nvPicPr>
+        <p:blipFill>
+          <a:blip r:embed="rId3"/>
+          <a:stretch>
+            <a:fillRect/>
+          </a:stretch>
+        </p:blipFill>
+        <p:spPr>
+          <a:xfrm>
+            <a:off x="1021779" y="1936723"/>
+            <a:ext cx="3967641" cy="3143196"/>
+          </a:xfrm>
+          <a:prstGeom prst="rect">
+            <a:avLst/>
+          </a:prstGeom>
+        </p:spPr>
+      </p:pic>
+      <p:sp>
+        <p:nvSpPr>
+          <p:cNvPr id="6" name="Šipka: doprava 5">
+            <a:extLst>
+              <a:ext uri="{FF2B5EF4-FFF2-40B4-BE49-F238E27FC236}">
+                <a16:creationId xmlns:a16="http://schemas.microsoft.com/office/drawing/2014/main" id="{EB68DD9B-4D2D-10B3-A6F2-2A54ED372993}"/>
+              </a:ext>
+            </a:extLst>
+          </p:cNvPr>
+          <p:cNvSpPr/>
+          <p:nvPr/>
+        </p:nvSpPr>
+        <p:spPr>
+          <a:xfrm>
+            <a:off x="4737806" y="3116397"/>
+            <a:ext cx="2235828" cy="1202075"/>
+          </a:xfrm>
+          <a:prstGeom prst="rightArrow">
+            <a:avLst/>
+          </a:prstGeom>
+          <a:solidFill>
+            <a:srgbClr val="4CBF56"/>
+          </a:solidFill>
+          <a:ln>
+            <a:noFill/>
+          </a:ln>
+        </p:spPr>
+        <p:style>
+          <a:lnRef idx="2">
+            <a:schemeClr val="accent1">
+              <a:shade val="50000"/>
+            </a:schemeClr>
+          </a:lnRef>
+          <a:fillRef idx="1">
+            <a:schemeClr val="accent1"/>
+          </a:fillRef>
+          <a:effectRef idx="0">
+            <a:schemeClr val="accent1"/>
+          </a:effectRef>
+          <a:fontRef idx="minor">
+            <a:schemeClr val="lt1"/>
+          </a:fontRef>
+        </p:style>
+        <p:txBody>
+          <a:bodyPr rtlCol="0" anchor="ctr"/>
+          <a:lstStyle/>
+          <a:p>
+            <a:pPr algn="ctr"/>
+            <a:r>
+              <a:rPr lang="en-US" sz="4000" dirty="0">
+                <a:solidFill>
+                  <a:schemeClr val="bg1"/>
+                </a:solidFill>
+                <a:latin typeface="+mj-lt"/>
+              </a:rPr>
+              <a:t>9</a:t>
+            </a:r>
+            <a:endParaRPr lang="cs-CZ" dirty="0">
+              <a:solidFill>
+                <a:schemeClr val="bg1"/>
+              </a:solidFill>
+              <a:latin typeface="+mj-lt"/>
+            </a:endParaRPr>
+          </a:p>
+        </p:txBody>
+      </p:sp>
+    </p:spTree>
+    <p:extLst>
+      <p:ext uri="{BB962C8B-B14F-4D97-AF65-F5344CB8AC3E}">
+        <p14:creationId xmlns:p14="http://schemas.microsoft.com/office/powerpoint/2010/main" val="3157525669"/>
+      </p:ext>
+    </p:extLst>
+  </p:cSld>
+  <p:clrMapOvr>
+    <a:masterClrMapping/>
+  </p:clrMapOvr>
+</p:sld>
+</file>
+
+<file path=ppt/slides/slide22.xml><?xml version="1.0" encoding="utf-8"?>
+<p:sld xmlns:a="http://schemas.openxmlformats.org/drawingml/2006/main" xmlns:r="http://schemas.openxmlformats.org/officeDocument/2006/relationships" xmlns:p="http://schemas.openxmlformats.org/presentationml/2006/main">
+  <p:cSld>
+    <p:spTree>
+      <p:nvGrpSpPr>
+        <p:cNvPr id="1" name=""/>
+        <p:cNvGrpSpPr/>
+        <p:nvPr/>
+      </p:nvGrpSpPr>
+      <p:grpSpPr>
+        <a:xfrm>
+          <a:off x="0" y="0"/>
+          <a:ext cx="0" cy="0"/>
+          <a:chOff x="0" y="0"/>
+          <a:chExt cx="0" cy="0"/>
+        </a:xfrm>
+      </p:grpSpPr>
+      <p:sp>
+        <p:nvSpPr>
+          <p:cNvPr id="2" name="Nadpis 1">
+            <a:extLst>
+              <a:ext uri="{FF2B5EF4-FFF2-40B4-BE49-F238E27FC236}">
+                <a16:creationId xmlns:a16="http://schemas.microsoft.com/office/drawing/2014/main" id="{A13C3B77-C01F-A847-7AF0-C3190E614788}"/>
+              </a:ext>
+            </a:extLst>
+          </p:cNvPr>
+          <p:cNvSpPr>
+            <a:spLocks noGrp="1"/>
+          </p:cNvSpPr>
+          <p:nvPr>
+            <p:ph type="title"/>
+          </p:nvPr>
+        </p:nvSpPr>
+        <p:spPr/>
+        <p:txBody>
+          <a:bodyPr/>
+          <a:lstStyle/>
+          <a:p>
+            <a:r>
+              <a:rPr lang="en-US" dirty="0" err="1"/>
+              <a:t>Obsah</a:t>
+            </a:r>
+            <a:r>
+              <a:rPr lang="en-US" dirty="0"/>
+              <a:t> </a:t>
+            </a:r>
+            <a:r>
+              <a:rPr lang="cs-CZ" dirty="0"/>
+              <a:t>čtverce - řešení</a:t>
+            </a:r>
+          </a:p>
+        </p:txBody>
+      </p:sp>
+      <p:pic>
+        <p:nvPicPr>
+          <p:cNvPr id="5" name="Zástupný obsah 4">
+            <a:extLst>
+              <a:ext uri="{FF2B5EF4-FFF2-40B4-BE49-F238E27FC236}">
+                <a16:creationId xmlns:a16="http://schemas.microsoft.com/office/drawing/2014/main" id="{50B5D0EC-75EB-7C5C-078F-9E02071A65E5}"/>
+              </a:ext>
+            </a:extLst>
+          </p:cNvPr>
+          <p:cNvPicPr>
+            <a:picLocks noGrp="1" noChangeAspect="1"/>
+          </p:cNvPicPr>
+          <p:nvPr>
+            <p:ph idx="1"/>
+          </p:nvPr>
+        </p:nvPicPr>
+        <p:blipFill>
+          <a:blip r:embed="rId2"/>
+          <a:stretch>
+            <a:fillRect/>
+          </a:stretch>
+        </p:blipFill>
+        <p:spPr>
+          <a:xfrm>
+            <a:off x="1861546" y="2377055"/>
+            <a:ext cx="8468907" cy="3248478"/>
+          </a:xfrm>
+        </p:spPr>
+      </p:pic>
+    </p:spTree>
+    <p:extLst>
+      <p:ext uri="{BB962C8B-B14F-4D97-AF65-F5344CB8AC3E}">
+        <p14:creationId xmlns:p14="http://schemas.microsoft.com/office/powerpoint/2010/main" val="2133578671"/>
+      </p:ext>
+    </p:extLst>
+  </p:cSld>
+  <p:clrMapOvr>
+    <a:masterClrMapping/>
+  </p:clrMapOvr>
+</p:sld>
+</file>
+
+<file path=ppt/slides/slide23.xml><?xml version="1.0" encoding="utf-8"?>
+<p:sld xmlns:a="http://schemas.openxmlformats.org/drawingml/2006/main" xmlns:r="http://schemas.openxmlformats.org/officeDocument/2006/relationships" xmlns:p="http://schemas.openxmlformats.org/presentationml/2006/main">
+  <p:cSld>
+    <p:spTree>
+      <p:nvGrpSpPr>
+        <p:cNvPr id="1" name=""/>
+        <p:cNvGrpSpPr/>
+        <p:nvPr/>
+      </p:nvGrpSpPr>
+      <p:grpSpPr>
+        <a:xfrm>
+          <a:off x="0" y="0"/>
+          <a:ext cx="0" cy="0"/>
+          <a:chOff x="0" y="0"/>
+          <a:chExt cx="0" cy="0"/>
+        </a:xfrm>
+      </p:grpSpPr>
+      <p:sp>
+        <p:nvSpPr>
+          <p:cNvPr id="2" name="Nadpis 1">
+            <a:extLst>
+              <a:ext uri="{FF2B5EF4-FFF2-40B4-BE49-F238E27FC236}">
+                <a16:creationId xmlns:a16="http://schemas.microsoft.com/office/drawing/2014/main" id="{F94DD13B-592C-ABFE-3311-9D4CD2EA8E32}"/>
+              </a:ext>
+            </a:extLst>
+          </p:cNvPr>
+          <p:cNvSpPr>
+            <a:spLocks noGrp="1"/>
+          </p:cNvSpPr>
+          <p:nvPr>
+            <p:ph type="title"/>
+          </p:nvPr>
+        </p:nvSpPr>
+        <p:spPr/>
+        <p:txBody>
+          <a:bodyPr/>
+          <a:lstStyle/>
+          <a:p>
+            <a:r>
+              <a:rPr lang="en-US" b="1" dirty="0" err="1">
+                <a:solidFill>
+                  <a:srgbClr val="FFAB19"/>
+                </a:solidFill>
+              </a:rPr>
+              <a:t>Ovl</a:t>
+            </a:r>
+            <a:r>
+              <a:rPr lang="cs-CZ" b="1" dirty="0" err="1">
+                <a:solidFill>
+                  <a:srgbClr val="FFAB19"/>
+                </a:solidFill>
+              </a:rPr>
+              <a:t>ádání</a:t>
+            </a:r>
+            <a:endParaRPr lang="cs-CZ" b="1" dirty="0">
+              <a:solidFill>
+                <a:srgbClr val="FFAB19"/>
+              </a:solidFill>
+            </a:endParaRPr>
+          </a:p>
+        </p:txBody>
+      </p:sp>
+      <p:pic>
+        <p:nvPicPr>
+          <p:cNvPr id="8" name="Obrázek 7">
+            <a:extLst>
+              <a:ext uri="{FF2B5EF4-FFF2-40B4-BE49-F238E27FC236}">
+                <a16:creationId xmlns:a16="http://schemas.microsoft.com/office/drawing/2014/main" id="{7F4E3380-8684-CCA7-7EBE-822BF64B01B3}"/>
+              </a:ext>
+            </a:extLst>
+          </p:cNvPr>
+          <p:cNvPicPr>
+            <a:picLocks noChangeAspect="1"/>
+          </p:cNvPicPr>
+          <p:nvPr/>
+        </p:nvPicPr>
+        <p:blipFill>
+          <a:blip r:embed="rId2"/>
+          <a:stretch>
+            <a:fillRect/>
+          </a:stretch>
+        </p:blipFill>
+        <p:spPr>
+          <a:xfrm>
+            <a:off x="838200" y="2184287"/>
+            <a:ext cx="4292639" cy="3058309"/>
+          </a:xfrm>
+          <a:prstGeom prst="rect">
+            <a:avLst/>
+          </a:prstGeom>
+        </p:spPr>
+      </p:pic>
+      <p:pic>
+        <p:nvPicPr>
+          <p:cNvPr id="12" name="Obrázek 11">
+            <a:extLst>
+              <a:ext uri="{FF2B5EF4-FFF2-40B4-BE49-F238E27FC236}">
+                <a16:creationId xmlns:a16="http://schemas.microsoft.com/office/drawing/2014/main" id="{D70B8144-587A-683D-7A29-96F711773726}"/>
+              </a:ext>
+            </a:extLst>
+          </p:cNvPr>
+          <p:cNvPicPr>
+            <a:picLocks noChangeAspect="1"/>
+          </p:cNvPicPr>
+          <p:nvPr/>
+        </p:nvPicPr>
+        <p:blipFill>
+          <a:blip r:embed="rId3"/>
+          <a:stretch>
+            <a:fillRect/>
+          </a:stretch>
+        </p:blipFill>
+        <p:spPr>
+          <a:xfrm>
+            <a:off x="6163351" y="1312221"/>
+            <a:ext cx="4543526" cy="4802440"/>
+          </a:xfrm>
+          <a:prstGeom prst="rect">
+            <a:avLst/>
+          </a:prstGeom>
+        </p:spPr>
+      </p:pic>
+    </p:spTree>
+    <p:extLst>
+      <p:ext uri="{BB962C8B-B14F-4D97-AF65-F5344CB8AC3E}">
+        <p14:creationId xmlns:p14="http://schemas.microsoft.com/office/powerpoint/2010/main" val="3808203500"/>
+      </p:ext>
+    </p:extLst>
+  </p:cSld>
+  <p:clrMapOvr>
+    <a:masterClrMapping/>
+  </p:clrMapOvr>
+</p:sld>
+</file>
+
+<file path=ppt/slides/slide24.xml><?xml version="1.0" encoding="utf-8"?>
+<p:sld xmlns:a="http://schemas.openxmlformats.org/drawingml/2006/main" xmlns:r="http://schemas.openxmlformats.org/officeDocument/2006/relationships" xmlns:p="http://schemas.openxmlformats.org/presentationml/2006/main">
+  <p:cSld>
+    <p:spTree>
+      <p:nvGrpSpPr>
+        <p:cNvPr id="1" name=""/>
+        <p:cNvGrpSpPr/>
+        <p:nvPr/>
+      </p:nvGrpSpPr>
+      <p:grpSpPr>
+        <a:xfrm>
+          <a:off x="0" y="0"/>
+          <a:ext cx="0" cy="0"/>
+          <a:chOff x="0" y="0"/>
+          <a:chExt cx="0" cy="0"/>
+        </a:xfrm>
+      </p:grpSpPr>
+      <p:sp>
+        <p:nvSpPr>
+          <p:cNvPr id="2" name="Nadpis 1">
+            <a:extLst>
+              <a:ext uri="{FF2B5EF4-FFF2-40B4-BE49-F238E27FC236}">
+                <a16:creationId xmlns:a16="http://schemas.microsoft.com/office/drawing/2014/main" id="{7C8994D2-7933-A702-A9D6-742A7BBDEB51}"/>
+              </a:ext>
+            </a:extLst>
+          </p:cNvPr>
+          <p:cNvSpPr>
+            <a:spLocks noGrp="1"/>
+          </p:cNvSpPr>
+          <p:nvPr>
+            <p:ph type="title"/>
+          </p:nvPr>
+        </p:nvSpPr>
+        <p:spPr/>
+        <p:txBody>
+          <a:bodyPr/>
+          <a:lstStyle/>
+          <a:p>
+            <a:r>
+              <a:rPr lang="cs-CZ" dirty="0" err="1"/>
+              <a:t>If</a:t>
+            </a:r>
+            <a:r>
+              <a:rPr lang="en-US" dirty="0"/>
+              <a:t> statements</a:t>
+            </a:r>
+            <a:r>
+              <a:rPr lang="cs-CZ" dirty="0"/>
+              <a:t> </a:t>
+            </a:r>
+            <a:r>
+              <a:rPr lang="en-US" dirty="0"/>
+              <a:t>(</a:t>
+            </a:r>
+            <a:r>
+              <a:rPr lang="en-US" dirty="0" err="1"/>
+              <a:t>podm</a:t>
+            </a:r>
+            <a:r>
+              <a:rPr lang="cs-CZ" dirty="0" err="1"/>
+              <a:t>ínky</a:t>
+            </a:r>
+            <a:r>
+              <a:rPr lang="en-US" dirty="0"/>
+              <a:t>)</a:t>
+            </a:r>
+            <a:endParaRPr lang="cs-CZ" dirty="0"/>
+          </a:p>
+        </p:txBody>
+      </p:sp>
+      <p:pic>
+        <p:nvPicPr>
+          <p:cNvPr id="11" name="Obrázek 10">
+            <a:extLst>
+              <a:ext uri="{FF2B5EF4-FFF2-40B4-BE49-F238E27FC236}">
+                <a16:creationId xmlns:a16="http://schemas.microsoft.com/office/drawing/2014/main" id="{B1684521-D0A1-A98F-353D-E99CF0E295DB}"/>
+              </a:ext>
+            </a:extLst>
+          </p:cNvPr>
+          <p:cNvPicPr>
+            <a:picLocks noChangeAspect="1"/>
+          </p:cNvPicPr>
+          <p:nvPr/>
+        </p:nvPicPr>
+        <p:blipFill>
+          <a:blip r:embed="rId2"/>
+          <a:stretch>
+            <a:fillRect/>
+          </a:stretch>
+        </p:blipFill>
+        <p:spPr>
+          <a:xfrm>
+            <a:off x="2280705" y="2015500"/>
+            <a:ext cx="7630590" cy="4477375"/>
+          </a:xfrm>
+          <a:prstGeom prst="rect">
+            <a:avLst/>
+          </a:prstGeom>
+        </p:spPr>
+      </p:pic>
+    </p:spTree>
+    <p:extLst>
+      <p:ext uri="{BB962C8B-B14F-4D97-AF65-F5344CB8AC3E}">
+        <p14:creationId xmlns:p14="http://schemas.microsoft.com/office/powerpoint/2010/main" val="368581854"/>
+      </p:ext>
+    </p:extLst>
+  </p:cSld>
+  <p:clrMapOvr>
+    <a:masterClrMapping/>
+  </p:clrMapOvr>
+</p:sld>
+</file>
+
+<file path=ppt/slides/slide25.xml><?xml version="1.0" encoding="utf-8"?>
+<p:sld xmlns:a="http://schemas.openxmlformats.org/drawingml/2006/main" xmlns:r="http://schemas.openxmlformats.org/officeDocument/2006/relationships" xmlns:p="http://schemas.openxmlformats.org/presentationml/2006/main">
+  <p:cSld>
+    <p:spTree>
+      <p:nvGrpSpPr>
+        <p:cNvPr id="1" name=""/>
+        <p:cNvGrpSpPr/>
+        <p:nvPr/>
+      </p:nvGrpSpPr>
+      <p:grpSpPr>
+        <a:xfrm>
+          <a:off x="0" y="0"/>
+          <a:ext cx="0" cy="0"/>
+          <a:chOff x="0" y="0"/>
+          <a:chExt cx="0" cy="0"/>
+        </a:xfrm>
+      </p:grpSpPr>
+      <p:sp>
+        <p:nvSpPr>
+          <p:cNvPr id="2" name="Nadpis 1">
+            <a:extLst>
+              <a:ext uri="{FF2B5EF4-FFF2-40B4-BE49-F238E27FC236}">
+                <a16:creationId xmlns:a16="http://schemas.microsoft.com/office/drawing/2014/main" id="{82E7132E-814B-0A55-485D-7896AE0F7FB7}"/>
+              </a:ext>
+            </a:extLst>
+          </p:cNvPr>
+          <p:cNvSpPr>
+            <a:spLocks noGrp="1"/>
+          </p:cNvSpPr>
+          <p:nvPr>
+            <p:ph type="title"/>
+          </p:nvPr>
+        </p:nvSpPr>
+        <p:spPr/>
+        <p:txBody>
+          <a:bodyPr/>
+          <a:lstStyle/>
+          <a:p>
+            <a:r>
+              <a:rPr lang="cs-CZ" dirty="0" err="1"/>
+              <a:t>If</a:t>
+            </a:r>
+            <a:r>
+              <a:rPr lang="en-US" dirty="0"/>
+              <a:t>/Else statements (</a:t>
+            </a:r>
+            <a:r>
+              <a:rPr lang="en-US" dirty="0" err="1"/>
+              <a:t>podm</a:t>
+            </a:r>
+            <a:r>
+              <a:rPr lang="cs-CZ" dirty="0" err="1"/>
+              <a:t>ínky</a:t>
+            </a:r>
+            <a:r>
+              <a:rPr lang="en-US" dirty="0"/>
+              <a:t>)	</a:t>
+            </a:r>
+            <a:endParaRPr lang="cs-CZ" dirty="0"/>
+          </a:p>
+        </p:txBody>
+      </p:sp>
+      <p:pic>
+        <p:nvPicPr>
+          <p:cNvPr id="5" name="Zástupný obsah 4">
+            <a:extLst>
+              <a:ext uri="{FF2B5EF4-FFF2-40B4-BE49-F238E27FC236}">
+                <a16:creationId xmlns:a16="http://schemas.microsoft.com/office/drawing/2014/main" id="{C7B30169-14E2-52AE-669D-FD9B0BBBAF18}"/>
+              </a:ext>
+            </a:extLst>
+          </p:cNvPr>
+          <p:cNvPicPr>
+            <a:picLocks noGrp="1" noChangeAspect="1"/>
+          </p:cNvPicPr>
+          <p:nvPr>
+            <p:ph idx="1"/>
+          </p:nvPr>
+        </p:nvPicPr>
+        <p:blipFill>
+          <a:blip r:embed="rId2"/>
+          <a:stretch>
+            <a:fillRect/>
+          </a:stretch>
+        </p:blipFill>
+        <p:spPr>
+          <a:xfrm>
+            <a:off x="3573574" y="1825625"/>
+            <a:ext cx="5044851" cy="4351338"/>
+          </a:xfrm>
+        </p:spPr>
+      </p:pic>
+    </p:spTree>
+    <p:extLst>
+      <p:ext uri="{BB962C8B-B14F-4D97-AF65-F5344CB8AC3E}">
+        <p14:creationId xmlns:p14="http://schemas.microsoft.com/office/powerpoint/2010/main" val="3521987664"/>
+      </p:ext>
+    </p:extLst>
+  </p:cSld>
+  <p:clrMapOvr>
+    <a:masterClrMapping/>
+  </p:clrMapOvr>
+</p:sld>
+</file>
+
+<file path=ppt/slides/slide26.xml><?xml version="1.0" encoding="utf-8"?>
+<p:sld xmlns:a="http://schemas.openxmlformats.org/drawingml/2006/main" xmlns:r="http://schemas.openxmlformats.org/officeDocument/2006/relationships" xmlns:p="http://schemas.openxmlformats.org/presentationml/2006/main">
+  <p:cSld>
+    <p:spTree>
+      <p:nvGrpSpPr>
+        <p:cNvPr id="1" name=""/>
+        <p:cNvGrpSpPr/>
+        <p:nvPr/>
+      </p:nvGrpSpPr>
+      <p:grpSpPr>
+        <a:xfrm>
+          <a:off x="0" y="0"/>
+          <a:ext cx="0" cy="0"/>
+          <a:chOff x="0" y="0"/>
+          <a:chExt cx="0" cy="0"/>
+        </a:xfrm>
+      </p:grpSpPr>
+      <p:pic>
+        <p:nvPicPr>
+          <p:cNvPr id="11" name="Obrázek 10">
+            <a:extLst>
+              <a:ext uri="{FF2B5EF4-FFF2-40B4-BE49-F238E27FC236}">
+                <a16:creationId xmlns:a16="http://schemas.microsoft.com/office/drawing/2014/main" id="{16467EFA-3C7E-1AFD-5A83-E7A1D4D0F545}"/>
+              </a:ext>
+            </a:extLst>
+          </p:cNvPr>
+          <p:cNvPicPr>
+            <a:picLocks noChangeAspect="1"/>
+          </p:cNvPicPr>
+          <p:nvPr/>
+        </p:nvPicPr>
+        <p:blipFill>
+          <a:blip r:embed="rId2"/>
+          <a:stretch>
+            <a:fillRect/>
+          </a:stretch>
+        </p:blipFill>
+        <p:spPr>
+          <a:xfrm>
+            <a:off x="6933293" y="1690687"/>
+            <a:ext cx="4828089" cy="3724795"/>
+          </a:xfrm>
+          <a:prstGeom prst="rect">
+            <a:avLst/>
+          </a:prstGeom>
+        </p:spPr>
+      </p:pic>
+      <p:sp>
+        <p:nvSpPr>
+          <p:cNvPr id="2" name="Nadpis 1">
+            <a:extLst>
+              <a:ext uri="{FF2B5EF4-FFF2-40B4-BE49-F238E27FC236}">
+                <a16:creationId xmlns:a16="http://schemas.microsoft.com/office/drawing/2014/main" id="{346E21D0-6BFD-7DB9-E419-DA3DBE306C43}"/>
+              </a:ext>
+            </a:extLst>
+          </p:cNvPr>
+          <p:cNvSpPr>
+            <a:spLocks noGrp="1"/>
+          </p:cNvSpPr>
+          <p:nvPr>
+            <p:ph type="title"/>
+          </p:nvPr>
+        </p:nvSpPr>
+        <p:spPr/>
+        <p:txBody>
+          <a:bodyPr/>
+          <a:lstStyle/>
+          <a:p>
+            <a:r>
+              <a:rPr lang="cs-CZ" dirty="0"/>
+              <a:t>Cvičení - kladná a záporná čísla</a:t>
+            </a:r>
+          </a:p>
+        </p:txBody>
+      </p:sp>
+      <p:pic>
+        <p:nvPicPr>
+          <p:cNvPr id="7" name="Obrázek 6">
+            <a:extLst>
+              <a:ext uri="{FF2B5EF4-FFF2-40B4-BE49-F238E27FC236}">
+                <a16:creationId xmlns:a16="http://schemas.microsoft.com/office/drawing/2014/main" id="{47072F82-E6AA-9C0B-775F-7DE476BB8835}"/>
+              </a:ext>
+            </a:extLst>
+          </p:cNvPr>
+          <p:cNvPicPr>
+            <a:picLocks noChangeAspect="1"/>
+          </p:cNvPicPr>
+          <p:nvPr/>
+        </p:nvPicPr>
+        <p:blipFill>
+          <a:blip r:embed="rId3"/>
+          <a:stretch>
+            <a:fillRect/>
+          </a:stretch>
+        </p:blipFill>
+        <p:spPr>
+          <a:xfrm>
+            <a:off x="937971" y="1690688"/>
+            <a:ext cx="3458058" cy="3724795"/>
+          </a:xfrm>
+          <a:prstGeom prst="rect">
+            <a:avLst/>
+          </a:prstGeom>
+        </p:spPr>
+      </p:pic>
+      <p:sp>
+        <p:nvSpPr>
+          <p:cNvPr id="8" name="Šipka: doprava 7">
+            <a:extLst>
+              <a:ext uri="{FF2B5EF4-FFF2-40B4-BE49-F238E27FC236}">
+                <a16:creationId xmlns:a16="http://schemas.microsoft.com/office/drawing/2014/main" id="{809677B0-7B1B-61FD-3CEB-757734444231}"/>
+              </a:ext>
+            </a:extLst>
+          </p:cNvPr>
+          <p:cNvSpPr/>
+          <p:nvPr/>
+        </p:nvSpPr>
+        <p:spPr>
+          <a:xfrm>
+            <a:off x="4697465" y="3109674"/>
+            <a:ext cx="2235828" cy="1202075"/>
+          </a:xfrm>
+          <a:prstGeom prst="rightArrow">
+            <a:avLst/>
+          </a:prstGeom>
+          <a:solidFill>
+            <a:srgbClr val="4CBF56"/>
+          </a:solidFill>
+          <a:ln>
+            <a:noFill/>
+          </a:ln>
+        </p:spPr>
+        <p:style>
+          <a:lnRef idx="2">
+            <a:schemeClr val="accent1">
+              <a:shade val="50000"/>
+            </a:schemeClr>
+          </a:lnRef>
+          <a:fillRef idx="1">
+            <a:schemeClr val="accent1"/>
+          </a:fillRef>
+          <a:effectRef idx="0">
+            <a:schemeClr val="accent1"/>
+          </a:effectRef>
+          <a:fontRef idx="minor">
+            <a:schemeClr val="lt1"/>
+          </a:fontRef>
+        </p:style>
+        <p:txBody>
+          <a:bodyPr rtlCol="0" anchor="ctr"/>
+          <a:lstStyle/>
+          <a:p>
+            <a:pPr algn="ctr"/>
+            <a:r>
+              <a:rPr lang="cs-CZ" sz="4000" dirty="0">
+                <a:solidFill>
+                  <a:schemeClr val="bg1"/>
+                </a:solidFill>
+                <a:latin typeface="+mj-lt"/>
+              </a:rPr>
+              <a:t>-4</a:t>
+            </a:r>
+            <a:endParaRPr lang="cs-CZ" dirty="0">
+              <a:solidFill>
+                <a:schemeClr val="bg1"/>
+              </a:solidFill>
+              <a:latin typeface="+mj-lt"/>
+            </a:endParaRPr>
+          </a:p>
+        </p:txBody>
+      </p:sp>
+    </p:spTree>
+    <p:extLst>
+      <p:ext uri="{BB962C8B-B14F-4D97-AF65-F5344CB8AC3E}">
+        <p14:creationId xmlns:p14="http://schemas.microsoft.com/office/powerpoint/2010/main" val="2543565338"/>
+      </p:ext>
+    </p:extLst>
+  </p:cSld>
+  <p:clrMapOvr>
+    <a:masterClrMapping/>
+  </p:clrMapOvr>
+</p:sld>
+</file>
+
+<file path=ppt/slides/slide27.xml><?xml version="1.0" encoding="utf-8"?>
+<p:sld xmlns:a="http://schemas.openxmlformats.org/drawingml/2006/main" xmlns:r="http://schemas.openxmlformats.org/officeDocument/2006/relationships" xmlns:p="http://schemas.openxmlformats.org/presentationml/2006/main">
+  <p:cSld>
+    <p:spTree>
+      <p:nvGrpSpPr>
+        <p:cNvPr id="1" name=""/>
+        <p:cNvGrpSpPr/>
+        <p:nvPr/>
+      </p:nvGrpSpPr>
+      <p:grpSpPr>
+        <a:xfrm>
+          <a:off x="0" y="0"/>
+          <a:ext cx="0" cy="0"/>
+          <a:chOff x="0" y="0"/>
+          <a:chExt cx="0" cy="0"/>
+        </a:xfrm>
+      </p:grpSpPr>
+      <p:sp>
+        <p:nvSpPr>
+          <p:cNvPr id="2" name="Nadpis 1">
+            <a:extLst>
+              <a:ext uri="{FF2B5EF4-FFF2-40B4-BE49-F238E27FC236}">
+                <a16:creationId xmlns:a16="http://schemas.microsoft.com/office/drawing/2014/main" id="{5B44CC8A-0D08-F0C1-A842-B70990E8C804}"/>
+              </a:ext>
+            </a:extLst>
+          </p:cNvPr>
+          <p:cNvSpPr>
+            <a:spLocks noGrp="1"/>
+          </p:cNvSpPr>
+          <p:nvPr>
+            <p:ph type="title"/>
+          </p:nvPr>
+        </p:nvSpPr>
+        <p:spPr/>
+        <p:txBody>
+          <a:bodyPr/>
+          <a:lstStyle/>
+          <a:p>
+            <a:r>
+              <a:rPr lang="cs-CZ" dirty="0"/>
+              <a:t>Řešení</a:t>
+            </a:r>
+          </a:p>
+        </p:txBody>
+      </p:sp>
+      <p:pic>
+        <p:nvPicPr>
+          <p:cNvPr id="5" name="Zástupný obsah 4">
+            <a:extLst>
+              <a:ext uri="{FF2B5EF4-FFF2-40B4-BE49-F238E27FC236}">
+                <a16:creationId xmlns:a16="http://schemas.microsoft.com/office/drawing/2014/main" id="{65793D99-9680-5D5C-FE40-72354CAF562D}"/>
+              </a:ext>
+            </a:extLst>
+          </p:cNvPr>
+          <p:cNvPicPr>
+            <a:picLocks noGrp="1" noChangeAspect="1"/>
+          </p:cNvPicPr>
+          <p:nvPr>
+            <p:ph idx="1"/>
+          </p:nvPr>
+        </p:nvPicPr>
+        <p:blipFill>
+          <a:blip r:embed="rId2"/>
+          <a:stretch>
+            <a:fillRect/>
+          </a:stretch>
+        </p:blipFill>
+        <p:spPr>
+          <a:xfrm>
+            <a:off x="4116975" y="564877"/>
+            <a:ext cx="3597719" cy="5728245"/>
+          </a:xfrm>
+        </p:spPr>
+      </p:pic>
+    </p:spTree>
+    <p:extLst>
+      <p:ext uri="{BB962C8B-B14F-4D97-AF65-F5344CB8AC3E}">
+        <p14:creationId xmlns:p14="http://schemas.microsoft.com/office/powerpoint/2010/main" val="2001881704"/>
+      </p:ext>
+    </p:extLst>
+  </p:cSld>
+  <p:clrMapOvr>
+    <a:masterClrMapping/>
+  </p:clrMapOvr>
+</p:sld>
+</file>
+
+<file path=ppt/slides/slide28.xml><?xml version="1.0" encoding="utf-8"?>
+<p:sld xmlns:a="http://schemas.openxmlformats.org/drawingml/2006/main" xmlns:r="http://schemas.openxmlformats.org/officeDocument/2006/relationships" xmlns:p="http://schemas.openxmlformats.org/presentationml/2006/main">
+  <p:cSld>
+    <p:spTree>
+      <p:nvGrpSpPr>
+        <p:cNvPr id="1" name=""/>
+        <p:cNvGrpSpPr/>
+        <p:nvPr/>
+      </p:nvGrpSpPr>
+      <p:grpSpPr>
+        <a:xfrm>
+          <a:off x="0" y="0"/>
+          <a:ext cx="0" cy="0"/>
+          <a:chOff x="0" y="0"/>
+          <a:chExt cx="0" cy="0"/>
+        </a:xfrm>
+      </p:grpSpPr>
+      <p:sp>
+        <p:nvSpPr>
+          <p:cNvPr id="2" name="Nadpis 1">
+            <a:extLst>
+              <a:ext uri="{FF2B5EF4-FFF2-40B4-BE49-F238E27FC236}">
+                <a16:creationId xmlns:a16="http://schemas.microsoft.com/office/drawing/2014/main" id="{FA7ACA11-7064-1E28-CE95-4C9F471FFAEE}"/>
+              </a:ext>
+            </a:extLst>
+          </p:cNvPr>
+          <p:cNvSpPr>
+            <a:spLocks noGrp="1"/>
+          </p:cNvSpPr>
+          <p:nvPr>
+            <p:ph type="title"/>
+          </p:nvPr>
+        </p:nvSpPr>
+        <p:spPr/>
+        <p:txBody>
+          <a:bodyPr/>
+          <a:lstStyle/>
+          <a:p>
+            <a:r>
+              <a:rPr lang="cs-CZ" b="1" dirty="0">
+                <a:solidFill>
+                  <a:srgbClr val="CF62CF"/>
+                </a:solidFill>
+              </a:rPr>
+              <a:t>Zvuk</a:t>
+            </a:r>
+          </a:p>
+        </p:txBody>
+      </p:sp>
+      <p:pic>
+        <p:nvPicPr>
+          <p:cNvPr id="5" name="Obrázek 4">
+            <a:extLst>
+              <a:ext uri="{FF2B5EF4-FFF2-40B4-BE49-F238E27FC236}">
+                <a16:creationId xmlns:a16="http://schemas.microsoft.com/office/drawing/2014/main" id="{131474EC-ED8C-11E3-AB88-39F476C5EE93}"/>
+              </a:ext>
+            </a:extLst>
+          </p:cNvPr>
+          <p:cNvPicPr>
+            <a:picLocks noChangeAspect="1"/>
+          </p:cNvPicPr>
+          <p:nvPr/>
+        </p:nvPicPr>
+        <p:blipFill>
+          <a:blip r:embed="rId2"/>
+          <a:stretch>
+            <a:fillRect/>
+          </a:stretch>
+        </p:blipFill>
+        <p:spPr>
+          <a:xfrm>
+            <a:off x="2247363" y="2853196"/>
+            <a:ext cx="7697274" cy="1667108"/>
+          </a:xfrm>
+          <a:prstGeom prst="rect">
+            <a:avLst/>
+          </a:prstGeom>
+        </p:spPr>
+      </p:pic>
+    </p:spTree>
+    <p:extLst>
+      <p:ext uri="{BB962C8B-B14F-4D97-AF65-F5344CB8AC3E}">
+        <p14:creationId xmlns:p14="http://schemas.microsoft.com/office/powerpoint/2010/main" val="2119970176"/>
+      </p:ext>
+    </p:extLst>
+  </p:cSld>
+  <p:clrMapOvr>
+    <a:masterClrMapping/>
+  </p:clrMapOvr>
+</p:sld>
+</file>
+
+<file path=ppt/slides/slide29.xml><?xml version="1.0" encoding="utf-8"?>
+<p:sld xmlns:a="http://schemas.openxmlformats.org/drawingml/2006/main" xmlns:r="http://schemas.openxmlformats.org/officeDocument/2006/relationships" xmlns:p="http://schemas.openxmlformats.org/presentationml/2006/main">
+  <p:cSld>
+    <p:spTree>
+      <p:nvGrpSpPr>
+        <p:cNvPr id="1" name=""/>
+        <p:cNvGrpSpPr/>
+        <p:nvPr/>
+      </p:nvGrpSpPr>
+      <p:grpSpPr>
+        <a:xfrm>
+          <a:off x="0" y="0"/>
+          <a:ext cx="0" cy="0"/>
+          <a:chOff x="0" y="0"/>
+          <a:chExt cx="0" cy="0"/>
+        </a:xfrm>
+      </p:grpSpPr>
+      <p:sp>
+        <p:nvSpPr>
+          <p:cNvPr id="2" name="Nadpis 1">
+            <a:extLst>
+              <a:ext uri="{FF2B5EF4-FFF2-40B4-BE49-F238E27FC236}">
+                <a16:creationId xmlns:a16="http://schemas.microsoft.com/office/drawing/2014/main" id="{4D38A0C4-1810-887F-1B1D-41796FE198C6}"/>
+              </a:ext>
+            </a:extLst>
+          </p:cNvPr>
+          <p:cNvSpPr>
+            <a:spLocks noGrp="1"/>
+          </p:cNvSpPr>
+          <p:nvPr>
+            <p:ph type="title"/>
+          </p:nvPr>
+        </p:nvSpPr>
+        <p:spPr/>
+        <p:txBody>
+          <a:bodyPr/>
+          <a:lstStyle/>
+          <a:p>
+            <a:r>
+              <a:rPr lang="en-US" dirty="0"/>
+              <a:t>P</a:t>
+            </a:r>
+            <a:r>
+              <a:rPr lang="cs-CZ" dirty="0" err="1"/>
+              <a:t>řehrajte</a:t>
+            </a:r>
+            <a:r>
+              <a:rPr lang="cs-CZ" dirty="0"/>
+              <a:t> mňau 4 krát za sebou</a:t>
+            </a:r>
+          </a:p>
+        </p:txBody>
+      </p:sp>
+      <p:pic>
+        <p:nvPicPr>
+          <p:cNvPr id="5" name="Zástupný obsah 4">
+            <a:extLst>
+              <a:ext uri="{FF2B5EF4-FFF2-40B4-BE49-F238E27FC236}">
+                <a16:creationId xmlns:a16="http://schemas.microsoft.com/office/drawing/2014/main" id="{0501835D-4153-FC5A-E4C2-9212B27E6D0C}"/>
+              </a:ext>
+            </a:extLst>
+          </p:cNvPr>
+          <p:cNvPicPr>
+            <a:picLocks noGrp="1" noChangeAspect="1"/>
+          </p:cNvPicPr>
+          <p:nvPr>
+            <p:ph idx="1"/>
+          </p:nvPr>
+        </p:nvPicPr>
+        <p:blipFill>
+          <a:blip r:embed="rId2"/>
+          <a:stretch>
+            <a:fillRect/>
+          </a:stretch>
+        </p:blipFill>
+        <p:spPr>
+          <a:xfrm>
+            <a:off x="1842494" y="3096292"/>
+            <a:ext cx="8507012" cy="1810003"/>
+          </a:xfrm>
+        </p:spPr>
+      </p:pic>
+    </p:spTree>
+    <p:extLst>
+      <p:ext uri="{BB962C8B-B14F-4D97-AF65-F5344CB8AC3E}">
+        <p14:creationId xmlns:p14="http://schemas.microsoft.com/office/powerpoint/2010/main" val="2021040475"/>
+      </p:ext>
+    </p:extLst>
+  </p:cSld>
+  <p:clrMapOvr>
+    <a:masterClrMapping/>
+  </p:clrMapOvr>
 </p:sld>
 </file>
 
@@ -5293,6 +6940,710 @@
 </p:sld>
 </file>
 
+<file path=ppt/slides/slide30.xml><?xml version="1.0" encoding="utf-8"?>
+<p:sld xmlns:a="http://schemas.openxmlformats.org/drawingml/2006/main" xmlns:r="http://schemas.openxmlformats.org/officeDocument/2006/relationships" xmlns:p="http://schemas.openxmlformats.org/presentationml/2006/main">
+  <p:cSld>
+    <p:spTree>
+      <p:nvGrpSpPr>
+        <p:cNvPr id="1" name=""/>
+        <p:cNvGrpSpPr/>
+        <p:nvPr/>
+      </p:nvGrpSpPr>
+      <p:grpSpPr>
+        <a:xfrm>
+          <a:off x="0" y="0"/>
+          <a:ext cx="0" cy="0"/>
+          <a:chOff x="0" y="0"/>
+          <a:chExt cx="0" cy="0"/>
+        </a:xfrm>
+      </p:grpSpPr>
+      <p:pic>
+        <p:nvPicPr>
+          <p:cNvPr id="5" name="Obrázek 4">
+            <a:extLst>
+              <a:ext uri="{FF2B5EF4-FFF2-40B4-BE49-F238E27FC236}">
+                <a16:creationId xmlns:a16="http://schemas.microsoft.com/office/drawing/2014/main" id="{C53F686B-54AB-9510-16A9-731692D8A0DE}"/>
+              </a:ext>
+            </a:extLst>
+          </p:cNvPr>
+          <p:cNvPicPr>
+            <a:picLocks noChangeAspect="1"/>
+          </p:cNvPicPr>
+          <p:nvPr/>
+        </p:nvPicPr>
+        <p:blipFill>
+          <a:blip r:embed="rId2"/>
+          <a:stretch>
+            <a:fillRect/>
+          </a:stretch>
+        </p:blipFill>
+        <p:spPr>
+          <a:xfrm>
+            <a:off x="2974018" y="828720"/>
+            <a:ext cx="5867137" cy="5200560"/>
+          </a:xfrm>
+          <a:prstGeom prst="rect">
+            <a:avLst/>
+          </a:prstGeom>
+        </p:spPr>
+      </p:pic>
+    </p:spTree>
+    <p:extLst>
+      <p:ext uri="{BB962C8B-B14F-4D97-AF65-F5344CB8AC3E}">
+        <p14:creationId xmlns:p14="http://schemas.microsoft.com/office/powerpoint/2010/main" val="1515417843"/>
+      </p:ext>
+    </p:extLst>
+  </p:cSld>
+  <p:clrMapOvr>
+    <a:masterClrMapping/>
+  </p:clrMapOvr>
+</p:sld>
+</file>
+
+<file path=ppt/slides/slide31.xml><?xml version="1.0" encoding="utf-8"?>
+<p:sld xmlns:a="http://schemas.openxmlformats.org/drawingml/2006/main" xmlns:r="http://schemas.openxmlformats.org/officeDocument/2006/relationships" xmlns:p="http://schemas.openxmlformats.org/presentationml/2006/main">
+  <p:cSld>
+    <p:spTree>
+      <p:nvGrpSpPr>
+        <p:cNvPr id="1" name=""/>
+        <p:cNvGrpSpPr/>
+        <p:nvPr/>
+      </p:nvGrpSpPr>
+      <p:grpSpPr>
+        <a:xfrm>
+          <a:off x="0" y="0"/>
+          <a:ext cx="0" cy="0"/>
+          <a:chOff x="0" y="0"/>
+          <a:chExt cx="0" cy="0"/>
+        </a:xfrm>
+      </p:grpSpPr>
+      <p:pic>
+        <p:nvPicPr>
+          <p:cNvPr id="5" name="Obrázek 4">
+            <a:extLst>
+              <a:ext uri="{FF2B5EF4-FFF2-40B4-BE49-F238E27FC236}">
+                <a16:creationId xmlns:a16="http://schemas.microsoft.com/office/drawing/2014/main" id="{A1F3D0BD-2080-B87B-48CE-61B65882BF0F}"/>
+              </a:ext>
+            </a:extLst>
+          </p:cNvPr>
+          <p:cNvPicPr>
+            <a:picLocks noChangeAspect="1"/>
+          </p:cNvPicPr>
+          <p:nvPr/>
+        </p:nvPicPr>
+        <p:blipFill>
+          <a:blip r:embed="rId2"/>
+          <a:stretch>
+            <a:fillRect/>
+          </a:stretch>
+        </p:blipFill>
+        <p:spPr>
+          <a:xfrm>
+            <a:off x="2284151" y="547563"/>
+            <a:ext cx="8644311" cy="5762874"/>
+          </a:xfrm>
+          <a:prstGeom prst="rect">
+            <a:avLst/>
+          </a:prstGeom>
+        </p:spPr>
+      </p:pic>
+    </p:spTree>
+    <p:extLst>
+      <p:ext uri="{BB962C8B-B14F-4D97-AF65-F5344CB8AC3E}">
+        <p14:creationId xmlns:p14="http://schemas.microsoft.com/office/powerpoint/2010/main" val="2106971849"/>
+      </p:ext>
+    </p:extLst>
+  </p:cSld>
+  <p:clrMapOvr>
+    <a:masterClrMapping/>
+  </p:clrMapOvr>
+</p:sld>
+</file>
+
+<file path=ppt/slides/slide32.xml><?xml version="1.0" encoding="utf-8"?>
+<p:sld xmlns:a="http://schemas.openxmlformats.org/drawingml/2006/main" xmlns:r="http://schemas.openxmlformats.org/officeDocument/2006/relationships" xmlns:p="http://schemas.openxmlformats.org/presentationml/2006/main">
+  <p:cSld>
+    <p:spTree>
+      <p:nvGrpSpPr>
+        <p:cNvPr id="1" name=""/>
+        <p:cNvGrpSpPr/>
+        <p:nvPr/>
+      </p:nvGrpSpPr>
+      <p:grpSpPr>
+        <a:xfrm>
+          <a:off x="0" y="0"/>
+          <a:ext cx="0" cy="0"/>
+          <a:chOff x="0" y="0"/>
+          <a:chExt cx="0" cy="0"/>
+        </a:xfrm>
+      </p:grpSpPr>
+      <p:sp>
+        <p:nvSpPr>
+          <p:cNvPr id="2" name="Nadpis 1">
+            <a:extLst>
+              <a:ext uri="{FF2B5EF4-FFF2-40B4-BE49-F238E27FC236}">
+                <a16:creationId xmlns:a16="http://schemas.microsoft.com/office/drawing/2014/main" id="{35EBC2AD-7797-1C61-BF36-AC5A1D9F0032}"/>
+              </a:ext>
+            </a:extLst>
+          </p:cNvPr>
+          <p:cNvSpPr>
+            <a:spLocks noGrp="1"/>
+          </p:cNvSpPr>
+          <p:nvPr>
+            <p:ph type="title"/>
+          </p:nvPr>
+        </p:nvSpPr>
+        <p:spPr/>
+        <p:txBody>
+          <a:bodyPr/>
+          <a:lstStyle/>
+          <a:p>
+            <a:r>
+              <a:rPr lang="en-US" b="1" dirty="0" err="1">
+                <a:solidFill>
+                  <a:srgbClr val="4C97FF"/>
+                </a:solidFill>
+              </a:rPr>
+              <a:t>Pohyb</a:t>
+            </a:r>
+            <a:r>
+              <a:rPr lang="cs-CZ" b="1" dirty="0" err="1">
+                <a:solidFill>
+                  <a:srgbClr val="4C97FF"/>
+                </a:solidFill>
+              </a:rPr>
+              <a:t>ové</a:t>
+            </a:r>
+            <a:r>
+              <a:rPr lang="cs-CZ" b="1" dirty="0">
+                <a:solidFill>
+                  <a:srgbClr val="4C97FF"/>
+                </a:solidFill>
+              </a:rPr>
+              <a:t> bloky</a:t>
+            </a:r>
+          </a:p>
+        </p:txBody>
+      </p:sp>
+      <p:pic>
+        <p:nvPicPr>
+          <p:cNvPr id="5" name="Zástupný obsah 4">
+            <a:extLst>
+              <a:ext uri="{FF2B5EF4-FFF2-40B4-BE49-F238E27FC236}">
+                <a16:creationId xmlns:a16="http://schemas.microsoft.com/office/drawing/2014/main" id="{0F0ADAE0-B7C9-76BC-F017-97EF61D8175B}"/>
+              </a:ext>
+            </a:extLst>
+          </p:cNvPr>
+          <p:cNvPicPr>
+            <a:picLocks noGrp="1" noChangeAspect="1"/>
+          </p:cNvPicPr>
+          <p:nvPr>
+            <p:ph idx="1"/>
+          </p:nvPr>
+        </p:nvPicPr>
+        <p:blipFill>
+          <a:blip r:embed="rId2"/>
+          <a:stretch>
+            <a:fillRect/>
+          </a:stretch>
+        </p:blipFill>
+        <p:spPr>
+          <a:xfrm>
+            <a:off x="706406" y="2186978"/>
+            <a:ext cx="5119134" cy="1712652"/>
+          </a:xfrm>
+        </p:spPr>
+      </p:pic>
+      <p:pic>
+        <p:nvPicPr>
+          <p:cNvPr id="7" name="Obrázek 6">
+            <a:extLst>
+              <a:ext uri="{FF2B5EF4-FFF2-40B4-BE49-F238E27FC236}">
+                <a16:creationId xmlns:a16="http://schemas.microsoft.com/office/drawing/2014/main" id="{64AB34C0-2C0E-97A4-B543-C9E44A88AB7F}"/>
+              </a:ext>
+            </a:extLst>
+          </p:cNvPr>
+          <p:cNvPicPr>
+            <a:picLocks noChangeAspect="1"/>
+          </p:cNvPicPr>
+          <p:nvPr/>
+        </p:nvPicPr>
+        <p:blipFill>
+          <a:blip r:embed="rId3"/>
+          <a:stretch>
+            <a:fillRect/>
+          </a:stretch>
+        </p:blipFill>
+        <p:spPr>
+          <a:xfrm>
+            <a:off x="706406" y="4152955"/>
+            <a:ext cx="5119134" cy="1427841"/>
+          </a:xfrm>
+          <a:prstGeom prst="rect">
+            <a:avLst/>
+          </a:prstGeom>
+        </p:spPr>
+      </p:pic>
+      <p:pic>
+        <p:nvPicPr>
+          <p:cNvPr id="9" name="Obrázek 8">
+            <a:extLst>
+              <a:ext uri="{FF2B5EF4-FFF2-40B4-BE49-F238E27FC236}">
+                <a16:creationId xmlns:a16="http://schemas.microsoft.com/office/drawing/2014/main" id="{85F53245-883E-DACB-65C5-5C76F9931476}"/>
+              </a:ext>
+            </a:extLst>
+          </p:cNvPr>
+          <p:cNvPicPr>
+            <a:picLocks noChangeAspect="1"/>
+          </p:cNvPicPr>
+          <p:nvPr/>
+        </p:nvPicPr>
+        <p:blipFill>
+          <a:blip r:embed="rId4"/>
+          <a:stretch>
+            <a:fillRect/>
+          </a:stretch>
+        </p:blipFill>
+        <p:spPr>
+          <a:xfrm>
+            <a:off x="6067774" y="2325486"/>
+            <a:ext cx="5417820" cy="1435636"/>
+          </a:xfrm>
+          <a:prstGeom prst="rect">
+            <a:avLst/>
+          </a:prstGeom>
+        </p:spPr>
+      </p:pic>
+      <p:pic>
+        <p:nvPicPr>
+          <p:cNvPr id="4" name="Obrázek 3">
+            <a:extLst>
+              <a:ext uri="{FF2B5EF4-FFF2-40B4-BE49-F238E27FC236}">
+                <a16:creationId xmlns:a16="http://schemas.microsoft.com/office/drawing/2014/main" id="{7FA38F73-200C-85E8-5665-9D7AD8221CB3}"/>
+              </a:ext>
+            </a:extLst>
+          </p:cNvPr>
+          <p:cNvPicPr>
+            <a:picLocks noChangeAspect="1"/>
+          </p:cNvPicPr>
+          <p:nvPr/>
+        </p:nvPicPr>
+        <p:blipFill>
+          <a:blip r:embed="rId5"/>
+          <a:stretch>
+            <a:fillRect/>
+          </a:stretch>
+        </p:blipFill>
+        <p:spPr>
+          <a:xfrm>
+            <a:off x="6067774" y="4152955"/>
+            <a:ext cx="5417820" cy="1406396"/>
+          </a:xfrm>
+          <a:prstGeom prst="rect">
+            <a:avLst/>
+          </a:prstGeom>
+        </p:spPr>
+      </p:pic>
+    </p:spTree>
+    <p:extLst>
+      <p:ext uri="{BB962C8B-B14F-4D97-AF65-F5344CB8AC3E}">
+        <p14:creationId xmlns:p14="http://schemas.microsoft.com/office/powerpoint/2010/main" val="3363286271"/>
+      </p:ext>
+    </p:extLst>
+  </p:cSld>
+  <p:clrMapOvr>
+    <a:masterClrMapping/>
+  </p:clrMapOvr>
+</p:sld>
+</file>
+
+<file path=ppt/slides/slide33.xml><?xml version="1.0" encoding="utf-8"?>
+<p:sld xmlns:a="http://schemas.openxmlformats.org/drawingml/2006/main" xmlns:r="http://schemas.openxmlformats.org/officeDocument/2006/relationships" xmlns:p="http://schemas.openxmlformats.org/presentationml/2006/main">
+  <p:cSld>
+    <p:spTree>
+      <p:nvGrpSpPr>
+        <p:cNvPr id="1" name=""/>
+        <p:cNvGrpSpPr/>
+        <p:nvPr/>
+      </p:nvGrpSpPr>
+      <p:grpSpPr>
+        <a:xfrm>
+          <a:off x="0" y="0"/>
+          <a:ext cx="0" cy="0"/>
+          <a:chOff x="0" y="0"/>
+          <a:chExt cx="0" cy="0"/>
+        </a:xfrm>
+      </p:grpSpPr>
+      <p:sp>
+        <p:nvSpPr>
+          <p:cNvPr id="2" name="Nadpis 1">
+            <a:extLst>
+              <a:ext uri="{FF2B5EF4-FFF2-40B4-BE49-F238E27FC236}">
+                <a16:creationId xmlns:a16="http://schemas.microsoft.com/office/drawing/2014/main" id="{5EAF963F-3DA8-2997-52C1-11E67AC0CF9B}"/>
+              </a:ext>
+            </a:extLst>
+          </p:cNvPr>
+          <p:cNvSpPr>
+            <a:spLocks noGrp="1"/>
+          </p:cNvSpPr>
+          <p:nvPr>
+            <p:ph type="title"/>
+          </p:nvPr>
+        </p:nvSpPr>
+        <p:spPr/>
+        <p:txBody>
+          <a:bodyPr/>
+          <a:lstStyle/>
+          <a:p>
+            <a:r>
+              <a:rPr lang="cs-CZ" dirty="0"/>
+              <a:t>Cvičení – Naučte </a:t>
+            </a:r>
+            <a:r>
+              <a:rPr lang="cs-CZ" dirty="0" err="1"/>
+              <a:t>Scratche</a:t>
+            </a:r>
+            <a:r>
+              <a:rPr lang="cs-CZ" dirty="0"/>
+              <a:t> chodit</a:t>
+            </a:r>
+          </a:p>
+        </p:txBody>
+      </p:sp>
+      <p:pic>
+        <p:nvPicPr>
+          <p:cNvPr id="5" name="Zástupný obsah 4">
+            <a:extLst>
+              <a:ext uri="{FF2B5EF4-FFF2-40B4-BE49-F238E27FC236}">
+                <a16:creationId xmlns:a16="http://schemas.microsoft.com/office/drawing/2014/main" id="{ABFAA85B-EA16-90D2-ABFF-00ECD491CDAA}"/>
+              </a:ext>
+            </a:extLst>
+          </p:cNvPr>
+          <p:cNvPicPr>
+            <a:picLocks noGrp="1" noChangeAspect="1"/>
+          </p:cNvPicPr>
+          <p:nvPr>
+            <p:ph idx="1"/>
+          </p:nvPr>
+        </p:nvPicPr>
+        <p:blipFill>
+          <a:blip r:embed="rId2">
+            <a:extLst>
+              <a:ext uri="{28A0092B-C50C-407E-A947-70E740481C1C}">
+                <a14:useLocalDpi xmlns:a14="http://schemas.microsoft.com/office/drawing/2010/main" val="0"/>
+              </a:ext>
+            </a:extLst>
+          </a:blip>
+          <a:stretch>
+            <a:fillRect/>
+          </a:stretch>
+        </p:blipFill>
+        <p:spPr>
+          <a:xfrm>
+            <a:off x="1753505" y="2565512"/>
+            <a:ext cx="2539682" cy="2539682"/>
+          </a:xfrm>
+        </p:spPr>
+      </p:pic>
+    </p:spTree>
+    <p:extLst>
+      <p:ext uri="{BB962C8B-B14F-4D97-AF65-F5344CB8AC3E}">
+        <p14:creationId xmlns:p14="http://schemas.microsoft.com/office/powerpoint/2010/main" val="3338925722"/>
+      </p:ext>
+    </p:extLst>
+  </p:cSld>
+  <p:clrMapOvr>
+    <a:masterClrMapping/>
+  </p:clrMapOvr>
+</p:sld>
+</file>
+
+<file path=ppt/slides/slide34.xml><?xml version="1.0" encoding="utf-8"?>
+<p:sld xmlns:a="http://schemas.openxmlformats.org/drawingml/2006/main" xmlns:r="http://schemas.openxmlformats.org/officeDocument/2006/relationships" xmlns:p="http://schemas.openxmlformats.org/presentationml/2006/main">
+  <p:cSld>
+    <p:spTree>
+      <p:nvGrpSpPr>
+        <p:cNvPr id="1" name=""/>
+        <p:cNvGrpSpPr/>
+        <p:nvPr/>
+      </p:nvGrpSpPr>
+      <p:grpSpPr>
+        <a:xfrm>
+          <a:off x="0" y="0"/>
+          <a:ext cx="0" cy="0"/>
+          <a:chOff x="0" y="0"/>
+          <a:chExt cx="0" cy="0"/>
+        </a:xfrm>
+      </p:grpSpPr>
+      <p:sp>
+        <p:nvSpPr>
+          <p:cNvPr id="2" name="Nadpis 1">
+            <a:extLst>
+              <a:ext uri="{FF2B5EF4-FFF2-40B4-BE49-F238E27FC236}">
+                <a16:creationId xmlns:a16="http://schemas.microsoft.com/office/drawing/2014/main" id="{BB3AB7C5-7B5B-AA01-7001-2221C79E374D}"/>
+              </a:ext>
+            </a:extLst>
+          </p:cNvPr>
+          <p:cNvSpPr>
+            <a:spLocks noGrp="1"/>
+          </p:cNvSpPr>
+          <p:nvPr>
+            <p:ph type="title"/>
+          </p:nvPr>
+        </p:nvSpPr>
+        <p:spPr/>
+        <p:txBody>
+          <a:bodyPr/>
+          <a:lstStyle/>
+          <a:p>
+            <a:r>
+              <a:rPr lang="cs-CZ" dirty="0"/>
+              <a:t>Jak pokračovat?</a:t>
+            </a:r>
+          </a:p>
+        </p:txBody>
+      </p:sp>
+      <p:pic>
+        <p:nvPicPr>
+          <p:cNvPr id="5" name="Zástupný obsah 4">
+            <a:extLst>
+              <a:ext uri="{FF2B5EF4-FFF2-40B4-BE49-F238E27FC236}">
+                <a16:creationId xmlns:a16="http://schemas.microsoft.com/office/drawing/2014/main" id="{A62F20B1-9B92-92C5-C38D-A48FEE4156A9}"/>
+              </a:ext>
+            </a:extLst>
+          </p:cNvPr>
+          <p:cNvPicPr>
+            <a:picLocks noGrp="1" noChangeAspect="1"/>
+          </p:cNvPicPr>
+          <p:nvPr>
+            <p:ph idx="1"/>
+          </p:nvPr>
+        </p:nvPicPr>
+        <p:blipFill>
+          <a:blip r:embed="rId2">
+            <a:extLst>
+              <a:ext uri="{28A0092B-C50C-407E-A947-70E740481C1C}">
+                <a14:useLocalDpi xmlns:a14="http://schemas.microsoft.com/office/drawing/2010/main" val="0"/>
+              </a:ext>
+            </a:extLst>
+          </a:blip>
+          <a:stretch>
+            <a:fillRect/>
+          </a:stretch>
+        </p:blipFill>
+        <p:spPr>
+          <a:xfrm>
+            <a:off x="1804283" y="2189287"/>
+            <a:ext cx="2775008" cy="3040947"/>
+          </a:xfrm>
+        </p:spPr>
+      </p:pic>
+      <p:pic>
+        <p:nvPicPr>
+          <p:cNvPr id="7" name="Obrázek 6">
+            <a:extLst>
+              <a:ext uri="{FF2B5EF4-FFF2-40B4-BE49-F238E27FC236}">
+                <a16:creationId xmlns:a16="http://schemas.microsoft.com/office/drawing/2014/main" id="{0138DDEC-254C-2897-2F0F-9B3BC21700F9}"/>
+              </a:ext>
+            </a:extLst>
+          </p:cNvPr>
+          <p:cNvPicPr>
+            <a:picLocks noChangeAspect="1"/>
+          </p:cNvPicPr>
+          <p:nvPr/>
+        </p:nvPicPr>
+        <p:blipFill>
+          <a:blip r:embed="rId3">
+            <a:extLst>
+              <a:ext uri="{28A0092B-C50C-407E-A947-70E740481C1C}">
+                <a14:useLocalDpi xmlns:a14="http://schemas.microsoft.com/office/drawing/2010/main" val="0"/>
+              </a:ext>
+            </a:extLst>
+          </a:blip>
+          <a:stretch>
+            <a:fillRect/>
+          </a:stretch>
+        </p:blipFill>
+        <p:spPr>
+          <a:xfrm>
+            <a:off x="7054249" y="2031315"/>
+            <a:ext cx="2894949" cy="3198919"/>
+          </a:xfrm>
+          <a:prstGeom prst="rect">
+            <a:avLst/>
+          </a:prstGeom>
+        </p:spPr>
+      </p:pic>
+      <p:sp>
+        <p:nvSpPr>
+          <p:cNvPr id="8" name="TextovéPole 7">
+            <a:extLst>
+              <a:ext uri="{FF2B5EF4-FFF2-40B4-BE49-F238E27FC236}">
+                <a16:creationId xmlns:a16="http://schemas.microsoft.com/office/drawing/2014/main" id="{A99005D5-6132-FEA6-7718-210F4AC0848C}"/>
+              </a:ext>
+            </a:extLst>
+          </p:cNvPr>
+          <p:cNvSpPr txBox="1"/>
+          <p:nvPr/>
+        </p:nvSpPr>
+        <p:spPr>
+          <a:xfrm>
+            <a:off x="2253069" y="5570861"/>
+            <a:ext cx="1877437" cy="707886"/>
+          </a:xfrm>
+          <a:prstGeom prst="rect">
+            <a:avLst/>
+          </a:prstGeom>
+          <a:noFill/>
+        </p:spPr>
+        <p:txBody>
+          <a:bodyPr wrap="none" rtlCol="0">
+            <a:spAutoFit/>
+          </a:bodyPr>
+          <a:lstStyle/>
+          <a:p>
+            <a:r>
+              <a:rPr lang="cs-CZ" sz="4000" dirty="0">
+                <a:latin typeface="+mj-lt"/>
+              </a:rPr>
+              <a:t>Python</a:t>
+            </a:r>
+          </a:p>
+        </p:txBody>
+      </p:sp>
+      <p:sp>
+        <p:nvSpPr>
+          <p:cNvPr id="9" name="TextovéPole 8">
+            <a:extLst>
+              <a:ext uri="{FF2B5EF4-FFF2-40B4-BE49-F238E27FC236}">
+                <a16:creationId xmlns:a16="http://schemas.microsoft.com/office/drawing/2014/main" id="{51D4F8F4-33F0-5348-2ED0-FA73BE2E261B}"/>
+              </a:ext>
+            </a:extLst>
+          </p:cNvPr>
+          <p:cNvSpPr txBox="1"/>
+          <p:nvPr/>
+        </p:nvSpPr>
+        <p:spPr>
+          <a:xfrm>
+            <a:off x="8268326" y="5570861"/>
+            <a:ext cx="466794" cy="707886"/>
+          </a:xfrm>
+          <a:prstGeom prst="rect">
+            <a:avLst/>
+          </a:prstGeom>
+          <a:noFill/>
+        </p:spPr>
+        <p:txBody>
+          <a:bodyPr wrap="none" rtlCol="0">
+            <a:spAutoFit/>
+          </a:bodyPr>
+          <a:lstStyle/>
+          <a:p>
+            <a:r>
+              <a:rPr lang="cs-CZ" sz="4000" dirty="0">
+                <a:latin typeface="+mj-lt"/>
+              </a:rPr>
+              <a:t>C</a:t>
+            </a:r>
+          </a:p>
+        </p:txBody>
+      </p:sp>
+    </p:spTree>
+    <p:extLst>
+      <p:ext uri="{BB962C8B-B14F-4D97-AF65-F5344CB8AC3E}">
+        <p14:creationId xmlns:p14="http://schemas.microsoft.com/office/powerpoint/2010/main" val="2155663859"/>
+      </p:ext>
+    </p:extLst>
+  </p:cSld>
+  <p:clrMapOvr>
+    <a:masterClrMapping/>
+  </p:clrMapOvr>
+</p:sld>
+</file>
+
+<file path=ppt/slides/slide35.xml><?xml version="1.0" encoding="utf-8"?>
+<p:sld xmlns:a="http://schemas.openxmlformats.org/drawingml/2006/main" xmlns:r="http://schemas.openxmlformats.org/officeDocument/2006/relationships" xmlns:p="http://schemas.openxmlformats.org/presentationml/2006/main">
+  <p:cSld>
+    <p:spTree>
+      <p:nvGrpSpPr>
+        <p:cNvPr id="1" name=""/>
+        <p:cNvGrpSpPr/>
+        <p:nvPr/>
+      </p:nvGrpSpPr>
+      <p:grpSpPr>
+        <a:xfrm>
+          <a:off x="0" y="0"/>
+          <a:ext cx="0" cy="0"/>
+          <a:chOff x="0" y="0"/>
+          <a:chExt cx="0" cy="0"/>
+        </a:xfrm>
+      </p:grpSpPr>
+      <p:sp>
+        <p:nvSpPr>
+          <p:cNvPr id="2" name="Nadpis 1">
+            <a:extLst>
+              <a:ext uri="{FF2B5EF4-FFF2-40B4-BE49-F238E27FC236}">
+                <a16:creationId xmlns:a16="http://schemas.microsoft.com/office/drawing/2014/main" id="{7C18B61F-4BEB-7549-5FCD-F41D28C0865B}"/>
+              </a:ext>
+            </a:extLst>
+          </p:cNvPr>
+          <p:cNvSpPr>
+            <a:spLocks noGrp="1"/>
+          </p:cNvSpPr>
+          <p:nvPr>
+            <p:ph type="title"/>
+          </p:nvPr>
+        </p:nvSpPr>
+        <p:spPr/>
+        <p:txBody>
+          <a:bodyPr/>
+          <a:lstStyle/>
+          <a:p>
+            <a:r>
+              <a:rPr lang="cs-CZ" dirty="0"/>
+              <a:t>Kontakt</a:t>
+            </a:r>
+          </a:p>
+        </p:txBody>
+      </p:sp>
+      <p:sp>
+        <p:nvSpPr>
+          <p:cNvPr id="5" name="Zástupný obsah 4">
+            <a:extLst>
+              <a:ext uri="{FF2B5EF4-FFF2-40B4-BE49-F238E27FC236}">
+                <a16:creationId xmlns:a16="http://schemas.microsoft.com/office/drawing/2014/main" id="{FF58EEED-D224-58F8-90AA-647B637AF93A}"/>
+              </a:ext>
+            </a:extLst>
+          </p:cNvPr>
+          <p:cNvSpPr>
+            <a:spLocks noGrp="1"/>
+          </p:cNvSpPr>
+          <p:nvPr>
+            <p:ph idx="1"/>
+          </p:nvPr>
+        </p:nvSpPr>
+        <p:spPr/>
+        <p:txBody>
+          <a:bodyPr/>
+          <a:lstStyle/>
+          <a:p>
+            <a:endParaRPr lang="cs-CZ"/>
+          </a:p>
+        </p:txBody>
+      </p:sp>
+    </p:spTree>
+    <p:extLst>
+      <p:ext uri="{BB962C8B-B14F-4D97-AF65-F5344CB8AC3E}">
+        <p14:creationId xmlns:p14="http://schemas.microsoft.com/office/powerpoint/2010/main" val="3487063461"/>
+      </p:ext>
+    </p:extLst>
+  </p:cSld>
+  <p:clrMapOvr>
+    <a:masterClrMapping/>
+  </p:clrMapOvr>
+</p:sld>
+</file>
+
 <file path=ppt/slides/slide4.xml><?xml version="1.0" encoding="utf-8"?>
 <p:sld xmlns:a="http://schemas.openxmlformats.org/drawingml/2006/main" xmlns:r="http://schemas.openxmlformats.org/officeDocument/2006/relationships" xmlns:p="http://schemas.openxmlformats.org/presentationml/2006/main">
   <p:cSld>
@@ -5580,7 +7931,7 @@
           <p:cNvPr id="2" name="Nadpis 1">
             <a:extLst>
               <a:ext uri="{FF2B5EF4-FFF2-40B4-BE49-F238E27FC236}">
-                <a16:creationId xmlns:a16="http://schemas.microsoft.com/office/drawing/2014/main" id="{423E2B23-CDD5-4757-99FA-ED0DE4101839}"/>
+                <a16:creationId xmlns:a16="http://schemas.microsoft.com/office/drawing/2014/main" id="{BF78BB9C-8196-E64A-53CD-1FE9CB8EE20C}"/>
               </a:ext>
             </a:extLst>
           </p:cNvPr>
@@ -5591,39 +7942,37 @@
             <p:ph type="title"/>
           </p:nvPr>
         </p:nvSpPr>
-        <p:spPr>
-          <a:xfrm>
-            <a:off x="838200" y="263650"/>
-            <a:ext cx="10515600" cy="1325563"/>
-          </a:xfrm>
-        </p:spPr>
-        <p:txBody>
-          <a:bodyPr>
-            <a:normAutofit/>
-          </a:bodyPr>
+        <p:spPr/>
+        <p:txBody>
+          <a:bodyPr/>
           <a:lstStyle/>
           <a:p>
-            <a:pPr algn="ctr"/>
-            <a:r>
-              <a:rPr lang="cs-CZ" sz="6000" dirty="0"/>
-              <a:t>Náš první program</a:t>
+            <a:r>
+              <a:rPr lang="cs-CZ" b="1" dirty="0">
+                <a:solidFill>
+                  <a:srgbClr val="FFBF00"/>
+                </a:solidFill>
+              </a:rPr>
+              <a:t>Události</a:t>
             </a:r>
           </a:p>
         </p:txBody>
       </p:sp>
       <p:pic>
         <p:nvPicPr>
-          <p:cNvPr id="4" name="Obrázek 3">
-            <a:extLst>
-              <a:ext uri="{FF2B5EF4-FFF2-40B4-BE49-F238E27FC236}">
-                <a16:creationId xmlns:a16="http://schemas.microsoft.com/office/drawing/2014/main" id="{1B6D188E-54E6-430A-B6B6-4F94CFFB3422}"/>
+          <p:cNvPr id="5" name="Zástupný obsah 4">
+            <a:extLst>
+              <a:ext uri="{FF2B5EF4-FFF2-40B4-BE49-F238E27FC236}">
+                <a16:creationId xmlns:a16="http://schemas.microsoft.com/office/drawing/2014/main" id="{9BE892F7-1287-FFA6-43C7-C582994755AF}"/>
               </a:ext>
             </a:extLst>
           </p:cNvPr>
           <p:cNvPicPr>
-            <a:picLocks noChangeAspect="1"/>
+            <a:picLocks noGrp="1" noChangeAspect="1"/>
           </p:cNvPicPr>
-          <p:nvPr/>
+          <p:nvPr>
+            <p:ph idx="1"/>
+          </p:nvPr>
         </p:nvPicPr>
         <p:blipFill>
           <a:blip r:embed="rId2"/>
@@ -5633,8 +7982,65 @@
         </p:blipFill>
         <p:spPr>
           <a:xfrm>
-            <a:off x="3895418" y="1589213"/>
-            <a:ext cx="4401164" cy="4553585"/>
+            <a:off x="838200" y="1889786"/>
+            <a:ext cx="4248743" cy="2210108"/>
+          </a:xfrm>
+        </p:spPr>
+      </p:pic>
+      <p:pic>
+        <p:nvPicPr>
+          <p:cNvPr id="7" name="Obrázek 6">
+            <a:extLst>
+              <a:ext uri="{FF2B5EF4-FFF2-40B4-BE49-F238E27FC236}">
+                <a16:creationId xmlns:a16="http://schemas.microsoft.com/office/drawing/2014/main" id="{5A5FF402-A1AF-CD28-FB77-5E52A6305A5A}"/>
+              </a:ext>
+            </a:extLst>
+          </p:cNvPr>
+          <p:cNvPicPr>
+            <a:picLocks noChangeAspect="1"/>
+          </p:cNvPicPr>
+          <p:nvPr/>
+        </p:nvPicPr>
+        <p:blipFill>
+          <a:blip r:embed="rId3"/>
+          <a:stretch>
+            <a:fillRect/>
+          </a:stretch>
+        </p:blipFill>
+        <p:spPr>
+          <a:xfrm>
+            <a:off x="2290482" y="4397083"/>
+            <a:ext cx="7030431" cy="2095792"/>
+          </a:xfrm>
+          <a:prstGeom prst="rect">
+            <a:avLst/>
+          </a:prstGeom>
+        </p:spPr>
+      </p:pic>
+      <p:pic>
+        <p:nvPicPr>
+          <p:cNvPr id="9" name="Obrázek 8">
+            <a:extLst>
+              <a:ext uri="{FF2B5EF4-FFF2-40B4-BE49-F238E27FC236}">
+                <a16:creationId xmlns:a16="http://schemas.microsoft.com/office/drawing/2014/main" id="{B0397080-FDAF-DC4A-7E6B-D1B144BF010A}"/>
+              </a:ext>
+            </a:extLst>
+          </p:cNvPr>
+          <p:cNvPicPr>
+            <a:picLocks noChangeAspect="1"/>
+          </p:cNvPicPr>
+          <p:nvPr/>
+        </p:nvPicPr>
+        <p:blipFill>
+          <a:blip r:embed="rId4"/>
+          <a:stretch>
+            <a:fillRect/>
+          </a:stretch>
+        </p:blipFill>
+        <p:spPr>
+          <a:xfrm>
+            <a:off x="6597196" y="1889786"/>
+            <a:ext cx="3801005" cy="2114845"/>
           </a:xfrm>
           <a:prstGeom prst="rect">
             <a:avLst/>
@@ -5644,25 +8050,13 @@
     </p:spTree>
     <p:extLst>
       <p:ext uri="{BB962C8B-B14F-4D97-AF65-F5344CB8AC3E}">
-        <p14:creationId xmlns:p14="http://schemas.microsoft.com/office/powerpoint/2010/main" val="3769978902"/>
+        <p14:creationId xmlns:p14="http://schemas.microsoft.com/office/powerpoint/2010/main" val="3866563737"/>
       </p:ext>
     </p:extLst>
   </p:cSld>
   <p:clrMapOvr>
     <a:masterClrMapping/>
   </p:clrMapOvr>
-  <mc:AlternateContent xmlns:mc="http://schemas.openxmlformats.org/markup-compatibility/2006" xmlns:p14="http://schemas.microsoft.com/office/powerpoint/2010/main">
-    <mc:Choice Requires="p14">
-      <p:transition spd="med" p14:dur="700">
-        <p:fade/>
-      </p:transition>
-    </mc:Choice>
-    <mc:Fallback xmlns="">
-      <p:transition spd="med">
-        <p:fade/>
-      </p:transition>
-    </mc:Fallback>
-  </mc:AlternateContent>
 </p:sld>
 </file>
 
@@ -5683,12 +8077,44 @@
           <a:chExt cx="0" cy="0"/>
         </a:xfrm>
       </p:grpSpPr>
+      <p:sp>
+        <p:nvSpPr>
+          <p:cNvPr id="2" name="Nadpis 1">
+            <a:extLst>
+              <a:ext uri="{FF2B5EF4-FFF2-40B4-BE49-F238E27FC236}">
+                <a16:creationId xmlns:a16="http://schemas.microsoft.com/office/drawing/2014/main" id="{E08864D4-B1F9-2048-8697-09B83C5C7263}"/>
+              </a:ext>
+            </a:extLst>
+          </p:cNvPr>
+          <p:cNvSpPr>
+            <a:spLocks noGrp="1"/>
+          </p:cNvSpPr>
+          <p:nvPr>
+            <p:ph type="title"/>
+          </p:nvPr>
+        </p:nvSpPr>
+        <p:spPr/>
+        <p:txBody>
+          <a:bodyPr/>
+          <a:lstStyle/>
+          <a:p>
+            <a:r>
+              <a:rPr lang="cs-CZ" b="1" dirty="0">
+                <a:solidFill>
+                  <a:srgbClr val="9966FF"/>
+                </a:solidFill>
+              </a:rPr>
+              <a:t>Vzhled</a:t>
+            </a:r>
+          </a:p>
+        </p:txBody>
+      </p:sp>
       <p:pic>
         <p:nvPicPr>
-          <p:cNvPr id="8" name="Zástupný symbol pro obsah 7">
-            <a:extLst>
-              <a:ext uri="{FF2B5EF4-FFF2-40B4-BE49-F238E27FC236}">
-                <a16:creationId xmlns:a16="http://schemas.microsoft.com/office/drawing/2014/main" id="{B71F4016-259A-434F-AB67-5A6D55A22F56}"/>
+          <p:cNvPr id="5" name="Zástupný obsah 4">
+            <a:extLst>
+              <a:ext uri="{FF2B5EF4-FFF2-40B4-BE49-F238E27FC236}">
+                <a16:creationId xmlns:a16="http://schemas.microsoft.com/office/drawing/2014/main" id="{189882E7-2440-6956-C386-29EA787EF233}"/>
               </a:ext>
             </a:extLst>
           </p:cNvPr>
@@ -5700,52 +8126,102 @@
           </p:nvPr>
         </p:nvPicPr>
         <p:blipFill>
-          <a:blip r:embed="rId2">
-            <a:extLst>
-              <a:ext uri="{BEBA8EAE-BF5A-486C-A8C5-ECC9F3942E4B}">
-                <a14:imgProps xmlns:a14="http://schemas.microsoft.com/office/drawing/2010/main">
-                  <a14:imgLayer r:embed="rId3">
-                    <a14:imgEffect>
-                      <a14:backgroundRemoval t="7500" b="91667" l="8142" r="93946">
-                        <a14:foregroundMark x1="10021" y1="28750" x2="8142" y2="52917"/>
-                        <a14:foregroundMark x1="12109" y1="45417" x2="14823" y2="65833"/>
-                        <a14:foregroundMark x1="14823" y1="65833" x2="16493" y2="50000"/>
-                        <a14:foregroundMark x1="19415" y1="56667" x2="19415" y2="56667"/>
-                        <a14:foregroundMark x1="21086" y1="54167" x2="21086" y2="54167"/>
-                        <a14:foregroundMark x1="21086" y1="55000" x2="21086" y2="55000"/>
-                        <a14:foregroundMark x1="21712" y1="55833" x2="18163" y2="58333"/>
-                        <a14:foregroundMark x1="18998" y1="57917" x2="20459" y2="53333"/>
-                        <a14:foregroundMark x1="21503" y1="51250" x2="13987" y2="53750"/>
-                        <a14:foregroundMark x1="26096" y1="44167" x2="29019" y2="66250"/>
-                        <a14:foregroundMark x1="29019" y1="66250" x2="30063" y2="69167"/>
-                        <a14:foregroundMark x1="25887" y1="55833" x2="39875" y2="55833"/>
-                        <a14:foregroundMark x1="39875" y1="55833" x2="50731" y2="55000"/>
-                        <a14:foregroundMark x1="50731" y1="55000" x2="50731" y2="55000"/>
-                        <a14:foregroundMark x1="63048" y1="57917" x2="43215" y2="52500"/>
-                        <a14:foregroundMark x1="55532" y1="55833" x2="44259" y2="38750"/>
-                        <a14:foregroundMark x1="66180" y1="63333" x2="59916" y2="39167"/>
-                        <a14:foregroundMark x1="69729" y1="58750" x2="66180" y2="46667"/>
-                        <a14:foregroundMark x1="90814" y1="45417" x2="93946" y2="52083"/>
-                        <a14:foregroundMark x1="33403" y1="47500" x2="30271" y2="49583"/>
-                        <a14:foregroundMark x1="32568" y1="7500" x2="32568" y2="7500"/>
-                        <a14:foregroundMark x1="25470" y1="91667" x2="25470" y2="91667"/>
-                        <a14:backgroundMark x1="6054" y1="7083" x2="6054" y2="7083"/>
-                        <a14:backgroundMark x1="6889" y1="7917" x2="2505" y2="9167"/>
-                      </a14:backgroundRemoval>
-                    </a14:imgEffect>
-                  </a14:imgLayer>
-                </a14:imgProps>
-              </a:ext>
-            </a:extLst>
-          </a:blip>
+          <a:blip r:embed="rId2"/>
           <a:stretch>
             <a:fillRect/>
           </a:stretch>
         </p:blipFill>
         <p:spPr>
           <a:xfrm>
-            <a:off x="3710170" y="2569376"/>
-            <a:ext cx="4563112" cy="2286319"/>
+            <a:off x="637248" y="1861682"/>
+            <a:ext cx="6048212" cy="1614039"/>
+          </a:xfrm>
+        </p:spPr>
+      </p:pic>
+      <p:pic>
+        <p:nvPicPr>
+          <p:cNvPr id="7" name="Obrázek 6">
+            <a:extLst>
+              <a:ext uri="{FF2B5EF4-FFF2-40B4-BE49-F238E27FC236}">
+                <a16:creationId xmlns:a16="http://schemas.microsoft.com/office/drawing/2014/main" id="{AD099D2A-8969-7A8B-C343-949605E75568}"/>
+              </a:ext>
+            </a:extLst>
+          </p:cNvPr>
+          <p:cNvPicPr>
+            <a:picLocks noChangeAspect="1"/>
+          </p:cNvPicPr>
+          <p:nvPr/>
+        </p:nvPicPr>
+        <p:blipFill>
+          <a:blip r:embed="rId3"/>
+          <a:stretch>
+            <a:fillRect/>
+          </a:stretch>
+        </p:blipFill>
+        <p:spPr>
+          <a:xfrm>
+            <a:off x="7733795" y="1861682"/>
+            <a:ext cx="3620005" cy="1638529"/>
+          </a:xfrm>
+          <a:prstGeom prst="rect">
+            <a:avLst/>
+          </a:prstGeom>
+        </p:spPr>
+      </p:pic>
+      <p:pic>
+        <p:nvPicPr>
+          <p:cNvPr id="9" name="Obrázek 8">
+            <a:extLst>
+              <a:ext uri="{FF2B5EF4-FFF2-40B4-BE49-F238E27FC236}">
+                <a16:creationId xmlns:a16="http://schemas.microsoft.com/office/drawing/2014/main" id="{A043C5F4-32A3-BE6E-AA81-C434412EF78C}"/>
+              </a:ext>
+            </a:extLst>
+          </p:cNvPr>
+          <p:cNvPicPr>
+            <a:picLocks noChangeAspect="1"/>
+          </p:cNvPicPr>
+          <p:nvPr/>
+        </p:nvPicPr>
+        <p:blipFill>
+          <a:blip r:embed="rId4"/>
+          <a:stretch>
+            <a:fillRect/>
+          </a:stretch>
+        </p:blipFill>
+        <p:spPr>
+          <a:xfrm>
+            <a:off x="398586" y="4004920"/>
+            <a:ext cx="6525536" cy="1695687"/>
+          </a:xfrm>
+          <a:prstGeom prst="rect">
+            <a:avLst/>
+          </a:prstGeom>
+        </p:spPr>
+      </p:pic>
+      <p:pic>
+        <p:nvPicPr>
+          <p:cNvPr id="11" name="Obrázek 10">
+            <a:extLst>
+              <a:ext uri="{FF2B5EF4-FFF2-40B4-BE49-F238E27FC236}">
+                <a16:creationId xmlns:a16="http://schemas.microsoft.com/office/drawing/2014/main" id="{E58C5BE9-5FEE-A797-2E38-93D024359301}"/>
+              </a:ext>
+            </a:extLst>
+          </p:cNvPr>
+          <p:cNvPicPr>
+            <a:picLocks noChangeAspect="1"/>
+          </p:cNvPicPr>
+          <p:nvPr/>
+        </p:nvPicPr>
+        <p:blipFill>
+          <a:blip r:embed="rId5"/>
+          <a:stretch>
+            <a:fillRect/>
+          </a:stretch>
+        </p:blipFill>
+        <p:spPr>
+          <a:xfrm>
+            <a:off x="7984463" y="4004920"/>
+            <a:ext cx="2924583" cy="1657581"/>
           </a:xfrm>
           <a:prstGeom prst="rect">
             <a:avLst/>
@@ -5755,25 +8231,13 @@
     </p:spTree>
     <p:extLst>
       <p:ext uri="{BB962C8B-B14F-4D97-AF65-F5344CB8AC3E}">
-        <p14:creationId xmlns:p14="http://schemas.microsoft.com/office/powerpoint/2010/main" val="3382915029"/>
+        <p14:creationId xmlns:p14="http://schemas.microsoft.com/office/powerpoint/2010/main" val="1206766741"/>
       </p:ext>
     </p:extLst>
   </p:cSld>
   <p:clrMapOvr>
     <a:masterClrMapping/>
   </p:clrMapOvr>
-  <mc:AlternateContent xmlns:mc="http://schemas.openxmlformats.org/markup-compatibility/2006" xmlns:p14="http://schemas.microsoft.com/office/powerpoint/2010/main">
-    <mc:Choice Requires="p14">
-      <p:transition spd="med" p14:dur="700">
-        <p:fade/>
-      </p:transition>
-    </mc:Choice>
-    <mc:Fallback xmlns="">
-      <p:transition spd="med">
-        <p:fade/>
-      </p:transition>
-    </mc:Fallback>
-  </mc:AlternateContent>
 </p:sld>
 </file>
 
@@ -5794,19 +8258,49 @@
           <a:chExt cx="0" cy="0"/>
         </a:xfrm>
       </p:grpSpPr>
+      <p:sp>
+        <p:nvSpPr>
+          <p:cNvPr id="2" name="Nadpis 1">
+            <a:extLst>
+              <a:ext uri="{FF2B5EF4-FFF2-40B4-BE49-F238E27FC236}">
+                <a16:creationId xmlns:a16="http://schemas.microsoft.com/office/drawing/2014/main" id="{6BFE822A-C470-3436-1281-04A699C79D99}"/>
+              </a:ext>
+            </a:extLst>
+          </p:cNvPr>
+          <p:cNvSpPr>
+            <a:spLocks noGrp="1"/>
+          </p:cNvSpPr>
+          <p:nvPr>
+            <p:ph type="title"/>
+          </p:nvPr>
+        </p:nvSpPr>
+        <p:spPr/>
+        <p:txBody>
+          <a:bodyPr/>
+          <a:lstStyle/>
+          <a:p>
+            <a:r>
+              <a:rPr lang="cs-CZ" dirty="0"/>
+              <a:t>Nejpoužívanější bloky</a:t>
+            </a:r>
+          </a:p>
+        </p:txBody>
+      </p:sp>
       <p:pic>
         <p:nvPicPr>
-          <p:cNvPr id="3" name="Obrázek 2">
-            <a:extLst>
-              <a:ext uri="{FF2B5EF4-FFF2-40B4-BE49-F238E27FC236}">
-                <a16:creationId xmlns:a16="http://schemas.microsoft.com/office/drawing/2014/main" id="{0A39777E-4A4F-CF96-B3E0-0887739777A9}"/>
+          <p:cNvPr id="5" name="Zástupný obsah 4">
+            <a:extLst>
+              <a:ext uri="{FF2B5EF4-FFF2-40B4-BE49-F238E27FC236}">
+                <a16:creationId xmlns:a16="http://schemas.microsoft.com/office/drawing/2014/main" id="{8FB1101F-EDFD-3542-6878-0856E9779E97}"/>
               </a:ext>
             </a:extLst>
           </p:cNvPr>
           <p:cNvPicPr>
-            <a:picLocks noChangeAspect="1"/>
+            <a:picLocks noGrp="1" noChangeAspect="1"/>
           </p:cNvPicPr>
-          <p:nvPr/>
+          <p:nvPr>
+            <p:ph idx="1"/>
+          </p:nvPr>
         </p:nvPicPr>
         <p:blipFill>
           <a:blip r:embed="rId2"/>
@@ -5816,8 +8310,65 @@
         </p:blipFill>
         <p:spPr>
           <a:xfrm>
-            <a:off x="3681075" y="2342998"/>
-            <a:ext cx="4829849" cy="2172003"/>
+            <a:off x="697635" y="1840691"/>
+            <a:ext cx="4248743" cy="2210108"/>
+          </a:xfrm>
+        </p:spPr>
+      </p:pic>
+      <p:pic>
+        <p:nvPicPr>
+          <p:cNvPr id="7" name="Obrázek 6">
+            <a:extLst>
+              <a:ext uri="{FF2B5EF4-FFF2-40B4-BE49-F238E27FC236}">
+                <a16:creationId xmlns:a16="http://schemas.microsoft.com/office/drawing/2014/main" id="{C6F20DC9-7F2B-5072-453A-D03D41AA0087}"/>
+              </a:ext>
+            </a:extLst>
+          </p:cNvPr>
+          <p:cNvPicPr>
+            <a:picLocks noChangeAspect="1"/>
+          </p:cNvPicPr>
+          <p:nvPr/>
+        </p:nvPicPr>
+        <p:blipFill>
+          <a:blip r:embed="rId3"/>
+          <a:stretch>
+            <a:fillRect/>
+          </a:stretch>
+        </p:blipFill>
+        <p:spPr>
+          <a:xfrm>
+            <a:off x="697635" y="4637830"/>
+            <a:ext cx="5746707" cy="1473076"/>
+          </a:xfrm>
+          <a:prstGeom prst="rect">
+            <a:avLst/>
+          </a:prstGeom>
+        </p:spPr>
+      </p:pic>
+      <p:pic>
+        <p:nvPicPr>
+          <p:cNvPr id="8" name="Zástupný obsah 4">
+            <a:extLst>
+              <a:ext uri="{FF2B5EF4-FFF2-40B4-BE49-F238E27FC236}">
+                <a16:creationId xmlns:a16="http://schemas.microsoft.com/office/drawing/2014/main" id="{29FEDBED-E88B-3CD0-B6CA-2F5CF2DD61F0}"/>
+              </a:ext>
+            </a:extLst>
+          </p:cNvPr>
+          <p:cNvPicPr>
+            <a:picLocks noChangeAspect="1"/>
+          </p:cNvPicPr>
+          <p:nvPr/>
+        </p:nvPicPr>
+        <p:blipFill>
+          <a:blip r:embed="rId4"/>
+          <a:stretch>
+            <a:fillRect/>
+          </a:stretch>
+        </p:blipFill>
+        <p:spPr>
+          <a:xfrm>
+            <a:off x="5183135" y="1617654"/>
+            <a:ext cx="5887272" cy="2857899"/>
           </a:xfrm>
           <a:prstGeom prst="rect">
             <a:avLst/>
@@ -5827,25 +8378,13 @@
     </p:spTree>
     <p:extLst>
       <p:ext uri="{BB962C8B-B14F-4D97-AF65-F5344CB8AC3E}">
-        <p14:creationId xmlns:p14="http://schemas.microsoft.com/office/powerpoint/2010/main" val="3286217622"/>
+        <p14:creationId xmlns:p14="http://schemas.microsoft.com/office/powerpoint/2010/main" val="2372668212"/>
       </p:ext>
     </p:extLst>
   </p:cSld>
   <p:clrMapOvr>
     <a:masterClrMapping/>
   </p:clrMapOvr>
-  <mc:AlternateContent xmlns:mc="http://schemas.openxmlformats.org/markup-compatibility/2006" xmlns:p14="http://schemas.microsoft.com/office/powerpoint/2010/main">
-    <mc:Choice Requires="p14">
-      <p:transition spd="med" p14:dur="700">
-        <p:fade/>
-      </p:transition>
-    </mc:Choice>
-    <mc:Fallback xmlns="">
-      <p:transition spd="med">
-        <p:fade/>
-      </p:transition>
-    </mc:Fallback>
-  </mc:AlternateContent>
 </p:sld>
 </file>
 
@@ -5866,12 +8405,48 @@
           <a:chExt cx="0" cy="0"/>
         </a:xfrm>
       </p:grpSpPr>
+      <p:sp>
+        <p:nvSpPr>
+          <p:cNvPr id="2" name="Nadpis 1">
+            <a:extLst>
+              <a:ext uri="{FF2B5EF4-FFF2-40B4-BE49-F238E27FC236}">
+                <a16:creationId xmlns:a16="http://schemas.microsoft.com/office/drawing/2014/main" id="{423E2B23-CDD5-4757-99FA-ED0DE4101839}"/>
+              </a:ext>
+            </a:extLst>
+          </p:cNvPr>
+          <p:cNvSpPr>
+            <a:spLocks noGrp="1"/>
+          </p:cNvSpPr>
+          <p:nvPr>
+            <p:ph type="title"/>
+          </p:nvPr>
+        </p:nvSpPr>
+        <p:spPr>
+          <a:xfrm>
+            <a:off x="838200" y="263650"/>
+            <a:ext cx="10515600" cy="1325563"/>
+          </a:xfrm>
+        </p:spPr>
+        <p:txBody>
+          <a:bodyPr>
+            <a:normAutofit/>
+          </a:bodyPr>
+          <a:lstStyle/>
+          <a:p>
+            <a:pPr algn="ctr"/>
+            <a:r>
+              <a:rPr lang="cs-CZ" sz="6000" dirty="0"/>
+              <a:t>Náš první program</a:t>
+            </a:r>
+          </a:p>
+        </p:txBody>
+      </p:sp>
       <p:pic>
         <p:nvPicPr>
-          <p:cNvPr id="5" name="Obrázek 4">
-            <a:extLst>
-              <a:ext uri="{FF2B5EF4-FFF2-40B4-BE49-F238E27FC236}">
-                <a16:creationId xmlns:a16="http://schemas.microsoft.com/office/drawing/2014/main" id="{46DF8155-E42B-43AD-8D5E-F5737401A443}"/>
+          <p:cNvPr id="4" name="Obrázek 3">
+            <a:extLst>
+              <a:ext uri="{FF2B5EF4-FFF2-40B4-BE49-F238E27FC236}">
+                <a16:creationId xmlns:a16="http://schemas.microsoft.com/office/drawing/2014/main" id="{1B6D188E-54E6-430A-B6B6-4F94CFFB3422}"/>
               </a:ext>
             </a:extLst>
           </p:cNvPr>
@@ -5888,8 +8463,8 @@
         </p:blipFill>
         <p:spPr>
           <a:xfrm>
-            <a:off x="3881128" y="1561839"/>
-            <a:ext cx="4429743" cy="3734321"/>
+            <a:off x="3895418" y="1589213"/>
+            <a:ext cx="4401164" cy="4553585"/>
           </a:xfrm>
           <a:prstGeom prst="rect">
             <a:avLst/>
@@ -5899,7 +8474,7 @@
     </p:spTree>
     <p:extLst>
       <p:ext uri="{BB962C8B-B14F-4D97-AF65-F5344CB8AC3E}">
-        <p14:creationId xmlns:p14="http://schemas.microsoft.com/office/powerpoint/2010/main" val="1440098375"/>
+        <p14:creationId xmlns:p14="http://schemas.microsoft.com/office/powerpoint/2010/main" val="3769978902"/>
       </p:ext>
     </p:extLst>
   </p:cSld>
@@ -5940,28 +8515,67 @@
       </p:grpSpPr>
       <p:pic>
         <p:nvPicPr>
-          <p:cNvPr id="5" name="Obrázek 4">
-            <a:extLst>
-              <a:ext uri="{FF2B5EF4-FFF2-40B4-BE49-F238E27FC236}">
-                <a16:creationId xmlns:a16="http://schemas.microsoft.com/office/drawing/2014/main" id="{8B4159A3-595B-92F9-784D-ED945F7B0E23}"/>
+          <p:cNvPr id="8" name="Zástupný symbol pro obsah 7">
+            <a:extLst>
+              <a:ext uri="{FF2B5EF4-FFF2-40B4-BE49-F238E27FC236}">
+                <a16:creationId xmlns:a16="http://schemas.microsoft.com/office/drawing/2014/main" id="{B71F4016-259A-434F-AB67-5A6D55A22F56}"/>
               </a:ext>
             </a:extLst>
           </p:cNvPr>
           <p:cNvPicPr>
-            <a:picLocks noChangeAspect="1"/>
+            <a:picLocks noGrp="1" noChangeAspect="1"/>
           </p:cNvPicPr>
-          <p:nvPr/>
+          <p:nvPr>
+            <p:ph idx="1"/>
+          </p:nvPr>
         </p:nvPicPr>
         <p:blipFill>
-          <a:blip r:embed="rId2"/>
+          <a:blip r:embed="rId2">
+            <a:extLst>
+              <a:ext uri="{BEBA8EAE-BF5A-486C-A8C5-ECC9F3942E4B}">
+                <a14:imgProps xmlns:a14="http://schemas.microsoft.com/office/drawing/2010/main">
+                  <a14:imgLayer r:embed="rId3">
+                    <a14:imgEffect>
+                      <a14:backgroundRemoval t="7500" b="91667" l="8142" r="93946">
+                        <a14:foregroundMark x1="10021" y1="28750" x2="8142" y2="52917"/>
+                        <a14:foregroundMark x1="12109" y1="45417" x2="14823" y2="65833"/>
+                        <a14:foregroundMark x1="14823" y1="65833" x2="16493" y2="50000"/>
+                        <a14:foregroundMark x1="19415" y1="56667" x2="19415" y2="56667"/>
+                        <a14:foregroundMark x1="21086" y1="54167" x2="21086" y2="54167"/>
+                        <a14:foregroundMark x1="21086" y1="55000" x2="21086" y2="55000"/>
+                        <a14:foregroundMark x1="21712" y1="55833" x2="18163" y2="58333"/>
+                        <a14:foregroundMark x1="18998" y1="57917" x2="20459" y2="53333"/>
+                        <a14:foregroundMark x1="21503" y1="51250" x2="13987" y2="53750"/>
+                        <a14:foregroundMark x1="26096" y1="44167" x2="29019" y2="66250"/>
+                        <a14:foregroundMark x1="29019" y1="66250" x2="30063" y2="69167"/>
+                        <a14:foregroundMark x1="25887" y1="55833" x2="39875" y2="55833"/>
+                        <a14:foregroundMark x1="39875" y1="55833" x2="50731" y2="55000"/>
+                        <a14:foregroundMark x1="50731" y1="55000" x2="50731" y2="55000"/>
+                        <a14:foregroundMark x1="63048" y1="57917" x2="43215" y2="52500"/>
+                        <a14:foregroundMark x1="55532" y1="55833" x2="44259" y2="38750"/>
+                        <a14:foregroundMark x1="66180" y1="63333" x2="59916" y2="39167"/>
+                        <a14:foregroundMark x1="69729" y1="58750" x2="66180" y2="46667"/>
+                        <a14:foregroundMark x1="90814" y1="45417" x2="93946" y2="52083"/>
+                        <a14:foregroundMark x1="33403" y1="47500" x2="30271" y2="49583"/>
+                        <a14:foregroundMark x1="32568" y1="7500" x2="32568" y2="7500"/>
+                        <a14:foregroundMark x1="25470" y1="91667" x2="25470" y2="91667"/>
+                        <a14:backgroundMark x1="6054" y1="7083" x2="6054" y2="7083"/>
+                        <a14:backgroundMark x1="6889" y1="7917" x2="2505" y2="9167"/>
+                      </a14:backgroundRemoval>
+                    </a14:imgEffect>
+                  </a14:imgLayer>
+                </a14:imgProps>
+              </a:ext>
+            </a:extLst>
+          </a:blip>
           <a:stretch>
             <a:fillRect/>
           </a:stretch>
         </p:blipFill>
         <p:spPr>
           <a:xfrm>
-            <a:off x="2852285" y="537759"/>
-            <a:ext cx="6487430" cy="5782482"/>
+            <a:off x="3710170" y="2569376"/>
+            <a:ext cx="4563112" cy="2286319"/>
           </a:xfrm>
           <a:prstGeom prst="rect">
             <a:avLst/>
@@ -5971,13 +8585,25 @@
     </p:spTree>
     <p:extLst>
       <p:ext uri="{BB962C8B-B14F-4D97-AF65-F5344CB8AC3E}">
-        <p14:creationId xmlns:p14="http://schemas.microsoft.com/office/powerpoint/2010/main" val="1551528651"/>
+        <p14:creationId xmlns:p14="http://schemas.microsoft.com/office/powerpoint/2010/main" val="3382915029"/>
       </p:ext>
     </p:extLst>
   </p:cSld>
   <p:clrMapOvr>
     <a:masterClrMapping/>
   </p:clrMapOvr>
+  <mc:AlternateContent xmlns:mc="http://schemas.openxmlformats.org/markup-compatibility/2006" xmlns:p14="http://schemas.microsoft.com/office/powerpoint/2010/main">
+    <mc:Choice Requires="p14">
+      <p:transition spd="med" p14:dur="700">
+        <p:fade/>
+      </p:transition>
+    </mc:Choice>
+    <mc:Fallback xmlns="">
+      <p:transition spd="med">
+        <p:fade/>
+      </p:transition>
+    </mc:Fallback>
+  </mc:AlternateContent>
 </p:sld>
 </file>
 
